--- a/doc/publications/2012-04_CMSB2012/figures/Flowchart.pptx
+++ b/doc/publications/2012-04_CMSB2012/figures/Flowchart.pptx
@@ -7,8 +7,10 @@
   <p:sldIdLst>
     <p:sldId id="256" r:id="rId2"/>
     <p:sldId id="257" r:id="rId3"/>
+    <p:sldId id="259" r:id="rId4"/>
+    <p:sldId id="260" r:id="rId5"/>
   </p:sldIdLst>
-  <p:sldSz cx="9144000" cy="6858000" type="screen4x3"/>
+  <p:sldSz cx="6858000" cy="9144000" type="screen4x3"/>
   <p:notesSz cx="6858000" cy="9144000"/>
   <p:defaultTextStyle>
     <a:defPPr>
@@ -137,8 +139,8 @@
         </p:nvSpPr>
         <p:spPr>
           <a:xfrm>
-            <a:off x="685800" y="2130425"/>
-            <a:ext cx="7772400" cy="1470025"/>
+            <a:off x="514350" y="2840568"/>
+            <a:ext cx="5829300" cy="1960033"/>
           </a:xfrm>
         </p:spPr>
         <p:txBody>
@@ -165,8 +167,8 @@
         </p:nvSpPr>
         <p:spPr>
           <a:xfrm>
-            <a:off x="1371600" y="3886200"/>
-            <a:ext cx="6400800" cy="1752600"/>
+            <a:off x="1028700" y="5181600"/>
+            <a:ext cx="4800600" cy="2336800"/>
           </a:xfrm>
         </p:spPr>
         <p:txBody>
@@ -543,8 +545,8 @@
         </p:nvSpPr>
         <p:spPr>
           <a:xfrm>
-            <a:off x="6629400" y="274638"/>
-            <a:ext cx="2057400" cy="5851525"/>
+            <a:off x="4972050" y="366185"/>
+            <a:ext cx="1543050" cy="7802033"/>
           </a:xfrm>
         </p:spPr>
         <p:txBody>
@@ -571,8 +573,8 @@
         </p:nvSpPr>
         <p:spPr>
           <a:xfrm>
-            <a:off x="457200" y="274638"/>
-            <a:ext cx="6019800" cy="5851525"/>
+            <a:off x="342900" y="366185"/>
+            <a:ext cx="4514850" cy="7802033"/>
           </a:xfrm>
         </p:spPr>
         <p:txBody>
@@ -887,8 +889,8 @@
         </p:nvSpPr>
         <p:spPr>
           <a:xfrm>
-            <a:off x="722313" y="4406900"/>
-            <a:ext cx="7772400" cy="1362075"/>
+            <a:off x="541735" y="5875867"/>
+            <a:ext cx="5829300" cy="1816100"/>
           </a:xfrm>
         </p:spPr>
         <p:txBody>
@@ -919,8 +921,8 @@
         </p:nvSpPr>
         <p:spPr>
           <a:xfrm>
-            <a:off x="722313" y="2906713"/>
-            <a:ext cx="7772400" cy="1500187"/>
+            <a:off x="541735" y="3875618"/>
+            <a:ext cx="5829300" cy="2000249"/>
           </a:xfrm>
         </p:spPr>
         <p:txBody>
@@ -1153,8 +1155,8 @@
         </p:nvSpPr>
         <p:spPr>
           <a:xfrm>
-            <a:off x="457200" y="1600200"/>
-            <a:ext cx="4038600" cy="4525963"/>
+            <a:off x="342900" y="2133601"/>
+            <a:ext cx="3028950" cy="6034617"/>
           </a:xfrm>
         </p:spPr>
         <p:txBody>
@@ -1238,8 +1240,8 @@
         </p:nvSpPr>
         <p:spPr>
           <a:xfrm>
-            <a:off x="4648200" y="1600200"/>
-            <a:ext cx="4038600" cy="4525963"/>
+            <a:off x="3486150" y="2133601"/>
+            <a:ext cx="3028950" cy="6034617"/>
           </a:xfrm>
         </p:spPr>
         <p:txBody>
@@ -1442,8 +1444,8 @@
         </p:nvSpPr>
         <p:spPr>
           <a:xfrm>
-            <a:off x="457200" y="1535113"/>
-            <a:ext cx="4040188" cy="639762"/>
+            <a:off x="342900" y="2046817"/>
+            <a:ext cx="3030141" cy="853016"/>
           </a:xfrm>
         </p:spPr>
         <p:txBody>
@@ -1507,8 +1509,8 @@
         </p:nvSpPr>
         <p:spPr>
           <a:xfrm>
-            <a:off x="457200" y="2174875"/>
-            <a:ext cx="4040188" cy="3951288"/>
+            <a:off x="342900" y="2899833"/>
+            <a:ext cx="3030141" cy="5268384"/>
           </a:xfrm>
         </p:spPr>
         <p:txBody>
@@ -1592,8 +1594,8 @@
         </p:nvSpPr>
         <p:spPr>
           <a:xfrm>
-            <a:off x="4645025" y="1535113"/>
-            <a:ext cx="4041775" cy="639762"/>
+            <a:off x="3483769" y="2046817"/>
+            <a:ext cx="3031331" cy="853016"/>
           </a:xfrm>
         </p:spPr>
         <p:txBody>
@@ -1657,8 +1659,8 @@
         </p:nvSpPr>
         <p:spPr>
           <a:xfrm>
-            <a:off x="4645025" y="2174875"/>
-            <a:ext cx="4041775" cy="3951288"/>
+            <a:off x="3483769" y="2899833"/>
+            <a:ext cx="3031331" cy="5268384"/>
           </a:xfrm>
         </p:spPr>
         <p:txBody>
@@ -2041,8 +2043,8 @@
         </p:nvSpPr>
         <p:spPr>
           <a:xfrm>
-            <a:off x="457200" y="273050"/>
-            <a:ext cx="3008313" cy="1162050"/>
+            <a:off x="342900" y="364067"/>
+            <a:ext cx="2256235" cy="1549400"/>
           </a:xfrm>
         </p:spPr>
         <p:txBody>
@@ -2073,8 +2075,8 @@
         </p:nvSpPr>
         <p:spPr>
           <a:xfrm>
-            <a:off x="3575050" y="273050"/>
-            <a:ext cx="5111750" cy="5853113"/>
+            <a:off x="2681287" y="364067"/>
+            <a:ext cx="3833813" cy="7804151"/>
           </a:xfrm>
         </p:spPr>
         <p:txBody>
@@ -2158,8 +2160,8 @@
         </p:nvSpPr>
         <p:spPr>
           <a:xfrm>
-            <a:off x="457200" y="1435100"/>
-            <a:ext cx="3008313" cy="4691063"/>
+            <a:off x="342900" y="1913467"/>
+            <a:ext cx="2256235" cy="6254751"/>
           </a:xfrm>
         </p:spPr>
         <p:txBody>
@@ -2315,8 +2317,8 @@
         </p:nvSpPr>
         <p:spPr>
           <a:xfrm>
-            <a:off x="1792288" y="4800600"/>
-            <a:ext cx="5486400" cy="566738"/>
+            <a:off x="1344216" y="6400800"/>
+            <a:ext cx="4114800" cy="755651"/>
           </a:xfrm>
         </p:spPr>
         <p:txBody>
@@ -2347,8 +2349,8 @@
         </p:nvSpPr>
         <p:spPr>
           <a:xfrm>
-            <a:off x="1792288" y="612775"/>
-            <a:ext cx="5486400" cy="4114800"/>
+            <a:off x="1344216" y="817033"/>
+            <a:ext cx="4114800" cy="5486400"/>
           </a:xfrm>
         </p:spPr>
         <p:txBody>
@@ -2408,8 +2410,8 @@
         </p:nvSpPr>
         <p:spPr>
           <a:xfrm>
-            <a:off x="1792288" y="5367338"/>
-            <a:ext cx="5486400" cy="804862"/>
+            <a:off x="1344216" y="7156451"/>
+            <a:ext cx="4114800" cy="1073149"/>
           </a:xfrm>
         </p:spPr>
         <p:txBody>
@@ -2570,8 +2572,8 @@
         </p:nvSpPr>
         <p:spPr>
           <a:xfrm>
-            <a:off x="457200" y="274638"/>
-            <a:ext cx="8229600" cy="1143000"/>
+            <a:off x="342900" y="366184"/>
+            <a:ext cx="6172200" cy="1524000"/>
           </a:xfrm>
           <a:prstGeom prst="rect">
             <a:avLst/>
@@ -2603,8 +2605,8 @@
         </p:nvSpPr>
         <p:spPr>
           <a:xfrm>
-            <a:off x="457200" y="1600200"/>
-            <a:ext cx="8229600" cy="4525963"/>
+            <a:off x="342900" y="2133601"/>
+            <a:ext cx="6172200" cy="6034617"/>
           </a:xfrm>
           <a:prstGeom prst="rect">
             <a:avLst/>
@@ -2665,8 +2667,8 @@
         </p:nvSpPr>
         <p:spPr>
           <a:xfrm>
-            <a:off x="457200" y="6356350"/>
-            <a:ext cx="2133600" cy="365125"/>
+            <a:off x="342900" y="8475134"/>
+            <a:ext cx="1600200" cy="486833"/>
           </a:xfrm>
           <a:prstGeom prst="rect">
             <a:avLst/>
@@ -2707,8 +2709,8 @@
         </p:nvSpPr>
         <p:spPr>
           <a:xfrm>
-            <a:off x="3124200" y="6356350"/>
-            <a:ext cx="2895600" cy="365125"/>
+            <a:off x="2343150" y="8475134"/>
+            <a:ext cx="2171700" cy="486833"/>
           </a:xfrm>
           <a:prstGeom prst="rect">
             <a:avLst/>
@@ -2744,8 +2746,8 @@
         </p:nvSpPr>
         <p:spPr>
           <a:xfrm>
-            <a:off x="6553200" y="6356350"/>
-            <a:ext cx="2133600" cy="365125"/>
+            <a:off x="4914900" y="8475134"/>
+            <a:ext cx="1600200" cy="486833"/>
           </a:xfrm>
           <a:prstGeom prst="rect">
             <a:avLst/>
@@ -3062,437 +3064,425 @@
       </p:grpSpPr>
       <p:sp>
         <p:nvSpPr>
-          <p:cNvPr id="13" name="Rechteck 12"/>
-          <p:cNvSpPr/>
-          <p:nvPr/>
-        </p:nvSpPr>
-        <p:spPr>
-          <a:xfrm>
-            <a:off x="3707904" y="2564904"/>
-            <a:ext cx="2088232" cy="2952328"/>
-          </a:xfrm>
-          <a:prstGeom prst="rect">
-            <a:avLst/>
-          </a:prstGeom>
-        </p:spPr>
-        <p:style>
-          <a:lnRef idx="2">
-            <a:schemeClr val="accent1">
-              <a:shade val="50000"/>
-            </a:schemeClr>
-          </a:lnRef>
-          <a:fillRef idx="1">
-            <a:schemeClr val="accent1"/>
-          </a:fillRef>
-          <a:effectRef idx="0">
-            <a:schemeClr val="accent1"/>
-          </a:effectRef>
-          <a:fontRef idx="minor">
-            <a:schemeClr val="lt1"/>
-          </a:fontRef>
-        </p:style>
-        <p:txBody>
-          <a:bodyPr rtlCol="0" anchor="ctr"/>
-          <a:lstStyle/>
-          <a:p>
-            <a:pPr algn="ctr"/>
-            <a:endParaRPr lang="en-US"/>
-          </a:p>
-        </p:txBody>
-      </p:sp>
-      <p:sp>
-        <p:nvSpPr>
-          <p:cNvPr id="4" name="Rechteck 3"/>
-          <p:cNvSpPr/>
-          <p:nvPr/>
-        </p:nvSpPr>
-        <p:spPr>
-          <a:xfrm>
-            <a:off x="2411760" y="1124744"/>
-            <a:ext cx="1944216" cy="648072"/>
-          </a:xfrm>
-          <a:prstGeom prst="rect">
-            <a:avLst/>
-          </a:prstGeom>
-        </p:spPr>
-        <p:style>
-          <a:lnRef idx="2">
-            <a:schemeClr val="accent1">
-              <a:shade val="50000"/>
-            </a:schemeClr>
-          </a:lnRef>
-          <a:fillRef idx="1">
-            <a:schemeClr val="accent1"/>
-          </a:fillRef>
-          <a:effectRef idx="0">
-            <a:schemeClr val="accent1"/>
-          </a:effectRef>
-          <a:fontRef idx="minor">
-            <a:schemeClr val="lt1"/>
-          </a:fontRef>
-        </p:style>
-        <p:txBody>
-          <a:bodyPr rtlCol="0" anchor="ctr"/>
-          <a:lstStyle/>
-          <a:p>
-            <a:pPr algn="ctr"/>
-            <a:r>
-              <a:rPr lang="en-US" dirty="0" smtClean="0"/>
+          <p:cNvPr id="14" name="Abgerundetes Rechteck 13"/>
+          <p:cNvSpPr/>
+          <p:nvPr/>
+        </p:nvSpPr>
+        <p:spPr>
+          <a:xfrm>
+            <a:off x="2780928" y="3500431"/>
+            <a:ext cx="1566174" cy="3570128"/>
+          </a:xfrm>
+          <a:prstGeom prst="roundRect">
+            <a:avLst/>
+          </a:prstGeom>
+        </p:spPr>
+        <p:style>
+          <a:lnRef idx="1">
+            <a:schemeClr val="accent1"/>
+          </a:lnRef>
+          <a:fillRef idx="2">
+            <a:schemeClr val="accent1"/>
+          </a:fillRef>
+          <a:effectRef idx="1">
+            <a:schemeClr val="accent1"/>
+          </a:effectRef>
+          <a:fontRef idx="minor">
+            <a:schemeClr val="dk1"/>
+          </a:fontRef>
+        </p:style>
+        <p:txBody>
+          <a:bodyPr rtlCol="0" anchor="ctr"/>
+          <a:lstStyle/>
+          <a:p>
+            <a:pPr algn="ctr"/>
+            <a:endParaRPr lang="en-US" sz="1000"/>
+          </a:p>
+        </p:txBody>
+      </p:sp>
+      <p:sp>
+        <p:nvSpPr>
+          <p:cNvPr id="15" name="Abgerundetes Rechteck 14"/>
+          <p:cNvSpPr/>
+          <p:nvPr/>
+        </p:nvSpPr>
+        <p:spPr>
+          <a:xfrm>
+            <a:off x="1808820" y="1714480"/>
+            <a:ext cx="1458162" cy="363523"/>
+          </a:xfrm>
+          <a:prstGeom prst="roundRect">
+            <a:avLst/>
+          </a:prstGeom>
+        </p:spPr>
+        <p:style>
+          <a:lnRef idx="1">
+            <a:schemeClr val="accent1"/>
+          </a:lnRef>
+          <a:fillRef idx="2">
+            <a:schemeClr val="accent1"/>
+          </a:fillRef>
+          <a:effectRef idx="1">
+            <a:schemeClr val="accent1"/>
+          </a:effectRef>
+          <a:fontRef idx="minor">
+            <a:schemeClr val="dk1"/>
+          </a:fontRef>
+        </p:style>
+        <p:txBody>
+          <a:bodyPr rtlCol="0" anchor="ctr"/>
+          <a:lstStyle/>
+          <a:p>
+            <a:pPr algn="ctr"/>
+            <a:r>
+              <a:rPr lang="en-US" sz="1000" dirty="0" smtClean="0"/>
               <a:t>KGML file</a:t>
             </a:r>
-            <a:endParaRPr lang="en-US" dirty="0"/>
-          </a:p>
-        </p:txBody>
-      </p:sp>
-      <p:sp>
-        <p:nvSpPr>
-          <p:cNvPr id="5" name="Rechteck 4"/>
-          <p:cNvSpPr/>
-          <p:nvPr/>
-        </p:nvSpPr>
-        <p:spPr>
-          <a:xfrm>
-            <a:off x="323528" y="1124744"/>
-            <a:ext cx="1944216" cy="648072"/>
-          </a:xfrm>
-          <a:prstGeom prst="rect">
-            <a:avLst/>
-          </a:prstGeom>
-        </p:spPr>
-        <p:style>
-          <a:lnRef idx="2">
-            <a:schemeClr val="accent1">
-              <a:shade val="50000"/>
-            </a:schemeClr>
-          </a:lnRef>
-          <a:fillRef idx="1">
-            <a:schemeClr val="accent1"/>
-          </a:fillRef>
-          <a:effectRef idx="0">
-            <a:schemeClr val="accent1"/>
-          </a:effectRef>
-          <a:fontRef idx="minor">
-            <a:schemeClr val="lt1"/>
-          </a:fontRef>
-        </p:style>
-        <p:txBody>
-          <a:bodyPr rtlCol="0" anchor="ctr"/>
-          <a:lstStyle/>
-          <a:p>
-            <a:pPr algn="ctr"/>
-            <a:r>
-              <a:rPr lang="en-US" dirty="0" smtClean="0"/>
+            <a:endParaRPr lang="en-US" sz="1000" dirty="0"/>
+          </a:p>
+        </p:txBody>
+      </p:sp>
+      <p:sp>
+        <p:nvSpPr>
+          <p:cNvPr id="16" name="Abgerundetes Rechteck 15"/>
+          <p:cNvSpPr/>
+          <p:nvPr/>
+        </p:nvSpPr>
+        <p:spPr>
+          <a:xfrm>
+            <a:off x="242646" y="1714480"/>
+            <a:ext cx="1458162" cy="363523"/>
+          </a:xfrm>
+          <a:prstGeom prst="roundRect">
+            <a:avLst/>
+          </a:prstGeom>
+        </p:spPr>
+        <p:style>
+          <a:lnRef idx="1">
+            <a:schemeClr val="accent1"/>
+          </a:lnRef>
+          <a:fillRef idx="2">
+            <a:schemeClr val="accent1"/>
+          </a:fillRef>
+          <a:effectRef idx="1">
+            <a:schemeClr val="accent1"/>
+          </a:effectRef>
+          <a:fontRef idx="minor">
+            <a:schemeClr val="dk1"/>
+          </a:fontRef>
+        </p:style>
+        <p:txBody>
+          <a:bodyPr rtlCol="0" anchor="ctr"/>
+          <a:lstStyle/>
+          <a:p>
+            <a:pPr algn="ctr"/>
+            <a:r>
+              <a:rPr lang="en-US" sz="1000" dirty="0" smtClean="0">
+                <a:solidFill>
+                  <a:schemeClr val="dk1"/>
+                </a:solidFill>
+              </a:rPr>
               <a:t>Other KEGG databases (via API)</a:t>
             </a:r>
-            <a:endParaRPr lang="en-US" dirty="0"/>
-          </a:p>
-        </p:txBody>
-      </p:sp>
-      <p:sp>
-        <p:nvSpPr>
-          <p:cNvPr id="6" name="Rechteck 5"/>
-          <p:cNvSpPr/>
-          <p:nvPr/>
-        </p:nvSpPr>
-        <p:spPr>
-          <a:xfrm>
-            <a:off x="1403648" y="2060848"/>
-            <a:ext cx="1944216" cy="648072"/>
-          </a:xfrm>
-          <a:prstGeom prst="rect">
-            <a:avLst/>
-          </a:prstGeom>
-        </p:spPr>
-        <p:style>
-          <a:lnRef idx="2">
-            <a:schemeClr val="accent1">
-              <a:shade val="50000"/>
-            </a:schemeClr>
-          </a:lnRef>
-          <a:fillRef idx="1">
-            <a:schemeClr val="accent1"/>
-          </a:fillRef>
-          <a:effectRef idx="0">
-            <a:schemeClr val="accent1"/>
-          </a:effectRef>
-          <a:fontRef idx="minor">
-            <a:schemeClr val="lt1"/>
-          </a:fontRef>
-        </p:style>
-        <p:txBody>
-          <a:bodyPr rtlCol="0" anchor="ctr"/>
-          <a:lstStyle/>
-          <a:p>
-            <a:pPr algn="ctr"/>
-            <a:r>
-              <a:rPr lang="en-US" sz="1600" dirty="0" smtClean="0"/>
+            <a:endParaRPr lang="en-US" sz="1000" dirty="0">
+              <a:solidFill>
+                <a:schemeClr val="dk1"/>
+              </a:solidFill>
+            </a:endParaRPr>
+          </a:p>
+        </p:txBody>
+      </p:sp>
+      <p:sp>
+        <p:nvSpPr>
+          <p:cNvPr id="17" name="Abgerundetes Rechteck 16"/>
+          <p:cNvSpPr/>
+          <p:nvPr/>
+        </p:nvSpPr>
+        <p:spPr>
+          <a:xfrm>
+            <a:off x="1052736" y="2962618"/>
+            <a:ext cx="1458162" cy="363523"/>
+          </a:xfrm>
+          <a:prstGeom prst="roundRect">
+            <a:avLst/>
+          </a:prstGeom>
+        </p:spPr>
+        <p:style>
+          <a:lnRef idx="1">
+            <a:schemeClr val="accent1"/>
+          </a:lnRef>
+          <a:fillRef idx="2">
+            <a:schemeClr val="accent1"/>
+          </a:fillRef>
+          <a:effectRef idx="1">
+            <a:schemeClr val="accent1"/>
+          </a:effectRef>
+          <a:fontRef idx="minor">
+            <a:schemeClr val="dk1"/>
+          </a:fontRef>
+        </p:style>
+        <p:txBody>
+          <a:bodyPr rtlCol="0" anchor="ctr"/>
+          <a:lstStyle/>
+          <a:p>
+            <a:pPr algn="ctr"/>
+            <a:r>
+              <a:rPr lang="en-US" sz="1000" dirty="0" smtClean="0"/>
               <a:t>Organism-specific removal of non-physical entities</a:t>
             </a:r>
-            <a:endParaRPr lang="en-US" sz="1600" dirty="0"/>
-          </a:p>
-        </p:txBody>
-      </p:sp>
-      <p:sp>
-        <p:nvSpPr>
-          <p:cNvPr id="7" name="Rechteck 6"/>
-          <p:cNvSpPr/>
-          <p:nvPr/>
-        </p:nvSpPr>
-        <p:spPr>
-          <a:xfrm>
-            <a:off x="1403648" y="2852936"/>
-            <a:ext cx="1944216" cy="648072"/>
-          </a:xfrm>
-          <a:prstGeom prst="rect">
-            <a:avLst/>
-          </a:prstGeom>
-        </p:spPr>
-        <p:style>
-          <a:lnRef idx="2">
-            <a:schemeClr val="accent1">
-              <a:shade val="50000"/>
-            </a:schemeClr>
-          </a:lnRef>
-          <a:fillRef idx="1">
-            <a:schemeClr val="accent1"/>
-          </a:fillRef>
-          <a:effectRef idx="0">
-            <a:schemeClr val="accent1"/>
-          </a:effectRef>
-          <a:fontRef idx="minor">
-            <a:schemeClr val="lt1"/>
-          </a:fontRef>
-        </p:style>
-        <p:txBody>
-          <a:bodyPr rtlCol="0" anchor="ctr"/>
-          <a:lstStyle/>
-          <a:p>
-            <a:pPr algn="ctr"/>
-            <a:r>
-              <a:rPr lang="en-US" sz="1600" dirty="0" smtClean="0"/>
+            <a:endParaRPr lang="en-US" sz="1000" dirty="0"/>
+          </a:p>
+        </p:txBody>
+      </p:sp>
+      <p:sp>
+        <p:nvSpPr>
+          <p:cNvPr id="18" name="Abgerundetes Rechteck 17"/>
+          <p:cNvSpPr/>
+          <p:nvPr/>
+        </p:nvSpPr>
+        <p:spPr>
+          <a:xfrm>
+            <a:off x="1052736" y="4018736"/>
+            <a:ext cx="1458162" cy="363523"/>
+          </a:xfrm>
+          <a:prstGeom prst="roundRect">
+            <a:avLst/>
+          </a:prstGeom>
+        </p:spPr>
+        <p:style>
+          <a:lnRef idx="1">
+            <a:schemeClr val="accent1"/>
+          </a:lnRef>
+          <a:fillRef idx="2">
+            <a:schemeClr val="accent1"/>
+          </a:fillRef>
+          <a:effectRef idx="1">
+            <a:schemeClr val="accent1"/>
+          </a:effectRef>
+          <a:fontRef idx="minor">
+            <a:schemeClr val="dk1"/>
+          </a:fontRef>
+        </p:style>
+        <p:txBody>
+          <a:bodyPr rtlCol="0" anchor="ctr"/>
+          <a:lstStyle/>
+          <a:p>
+            <a:pPr algn="ctr"/>
+            <a:r>
+              <a:rPr lang="en-US" sz="1000" dirty="0" smtClean="0"/>
               <a:t>Remove orphans</a:t>
             </a:r>
-            <a:endParaRPr lang="en-US" sz="1600" dirty="0"/>
-          </a:p>
-        </p:txBody>
-      </p:sp>
-      <p:sp>
-        <p:nvSpPr>
-          <p:cNvPr id="8" name="Rechteck 7"/>
-          <p:cNvSpPr/>
-          <p:nvPr/>
-        </p:nvSpPr>
-        <p:spPr>
-          <a:xfrm>
-            <a:off x="1403648" y="3645024"/>
-            <a:ext cx="1944216" cy="648072"/>
-          </a:xfrm>
-          <a:prstGeom prst="rect">
-            <a:avLst/>
-          </a:prstGeom>
-        </p:spPr>
-        <p:style>
-          <a:lnRef idx="2">
-            <a:schemeClr val="accent1">
-              <a:shade val="50000"/>
-            </a:schemeClr>
-          </a:lnRef>
-          <a:fillRef idx="1">
-            <a:schemeClr val="accent1"/>
-          </a:fillRef>
-          <a:effectRef idx="0">
-            <a:schemeClr val="accent1"/>
-          </a:effectRef>
-          <a:fontRef idx="minor">
-            <a:schemeClr val="lt1"/>
-          </a:fontRef>
-        </p:style>
-        <p:txBody>
-          <a:bodyPr rtlCol="0" anchor="ctr"/>
-          <a:lstStyle/>
-          <a:p>
-            <a:pPr algn="ctr"/>
-            <a:r>
-              <a:rPr lang="en-US" sz="1600" dirty="0" smtClean="0"/>
+            <a:endParaRPr lang="en-US" sz="1000" dirty="0"/>
+          </a:p>
+        </p:txBody>
+      </p:sp>
+      <p:sp>
+        <p:nvSpPr>
+          <p:cNvPr id="19" name="Abgerundetes Rechteck 18"/>
+          <p:cNvSpPr/>
+          <p:nvPr/>
+        </p:nvSpPr>
+        <p:spPr>
+          <a:xfrm>
+            <a:off x="1052736" y="5074853"/>
+            <a:ext cx="1458162" cy="363523"/>
+          </a:xfrm>
+          <a:prstGeom prst="roundRect">
+            <a:avLst/>
+          </a:prstGeom>
+        </p:spPr>
+        <p:style>
+          <a:lnRef idx="1">
+            <a:schemeClr val="accent1"/>
+          </a:lnRef>
+          <a:fillRef idx="2">
+            <a:schemeClr val="accent1"/>
+          </a:fillRef>
+          <a:effectRef idx="1">
+            <a:schemeClr val="accent1"/>
+          </a:effectRef>
+          <a:fontRef idx="minor">
+            <a:schemeClr val="dk1"/>
+          </a:fontRef>
+        </p:style>
+        <p:txBody>
+          <a:bodyPr rtlCol="0" anchor="ctr"/>
+          <a:lstStyle/>
+          <a:p>
+            <a:pPr algn="ctr"/>
+            <a:r>
+              <a:rPr lang="en-US" sz="1000" dirty="0" smtClean="0"/>
               <a:t>Process reactions</a:t>
             </a:r>
-            <a:endParaRPr lang="en-US" sz="1600" dirty="0"/>
-          </a:p>
-        </p:txBody>
-      </p:sp>
-      <p:sp>
-        <p:nvSpPr>
-          <p:cNvPr id="9" name="Rechteck 8"/>
-          <p:cNvSpPr/>
-          <p:nvPr/>
-        </p:nvSpPr>
-        <p:spPr>
-          <a:xfrm>
-            <a:off x="3779912" y="2636912"/>
-            <a:ext cx="1944216" cy="648072"/>
-          </a:xfrm>
-          <a:prstGeom prst="rect">
-            <a:avLst/>
-          </a:prstGeom>
-        </p:spPr>
-        <p:style>
-          <a:lnRef idx="2">
-            <a:schemeClr val="accent1">
-              <a:shade val="50000"/>
-            </a:schemeClr>
-          </a:lnRef>
-          <a:fillRef idx="1">
-            <a:schemeClr val="accent1"/>
-          </a:fillRef>
-          <a:effectRef idx="0">
-            <a:schemeClr val="accent1"/>
-          </a:effectRef>
-          <a:fontRef idx="minor">
-            <a:schemeClr val="lt1"/>
-          </a:fontRef>
-        </p:style>
-        <p:txBody>
-          <a:bodyPr rtlCol="0" anchor="ctr"/>
-          <a:lstStyle/>
-          <a:p>
-            <a:pPr algn="ctr"/>
-            <a:r>
-              <a:rPr lang="en-US" sz="1600" dirty="0" smtClean="0"/>
+            <a:endParaRPr lang="en-US" sz="1000" dirty="0"/>
+          </a:p>
+        </p:txBody>
+      </p:sp>
+      <p:sp>
+        <p:nvSpPr>
+          <p:cNvPr id="20" name="Abgerundetes Rechteck 19"/>
+          <p:cNvSpPr/>
+          <p:nvPr/>
+        </p:nvSpPr>
+        <p:spPr>
+          <a:xfrm>
+            <a:off x="2834934" y="3730704"/>
+            <a:ext cx="1458162" cy="363523"/>
+          </a:xfrm>
+          <a:prstGeom prst="roundRect">
+            <a:avLst/>
+          </a:prstGeom>
+        </p:spPr>
+        <p:style>
+          <a:lnRef idx="1">
+            <a:schemeClr val="accent1"/>
+          </a:lnRef>
+          <a:fillRef idx="2">
+            <a:schemeClr val="accent1"/>
+          </a:fillRef>
+          <a:effectRef idx="1">
+            <a:schemeClr val="accent1"/>
+          </a:effectRef>
+          <a:fontRef idx="minor">
+            <a:schemeClr val="dk1"/>
+          </a:fontRef>
+        </p:style>
+        <p:txBody>
+          <a:bodyPr rtlCol="0" anchor="ctr"/>
+          <a:lstStyle/>
+          <a:p>
+            <a:pPr algn="ctr"/>
+            <a:r>
+              <a:rPr lang="en-US" sz="1000" dirty="0" smtClean="0"/>
               <a:t>Unbundle reactions</a:t>
             </a:r>
-            <a:endParaRPr lang="en-US" sz="1600" dirty="0"/>
-          </a:p>
-        </p:txBody>
-      </p:sp>
-      <p:sp>
-        <p:nvSpPr>
-          <p:cNvPr id="10" name="Rechteck 9"/>
-          <p:cNvSpPr/>
-          <p:nvPr/>
-        </p:nvSpPr>
-        <p:spPr>
-          <a:xfrm>
-            <a:off x="3779912" y="3356992"/>
-            <a:ext cx="1944216" cy="648072"/>
-          </a:xfrm>
-          <a:prstGeom prst="rect">
-            <a:avLst/>
-          </a:prstGeom>
-        </p:spPr>
-        <p:style>
-          <a:lnRef idx="2">
-            <a:schemeClr val="accent1">
-              <a:shade val="50000"/>
-            </a:schemeClr>
-          </a:lnRef>
-          <a:fillRef idx="1">
-            <a:schemeClr val="accent1"/>
-          </a:fillRef>
-          <a:effectRef idx="0">
-            <a:schemeClr val="accent1"/>
-          </a:effectRef>
-          <a:fontRef idx="minor">
-            <a:schemeClr val="lt1"/>
-          </a:fontRef>
-        </p:style>
-        <p:txBody>
-          <a:bodyPr rtlCol="0" anchor="ctr"/>
-          <a:lstStyle/>
-          <a:p>
-            <a:pPr algn="ctr"/>
-            <a:r>
-              <a:rPr lang="en-US" sz="1600" dirty="0" smtClean="0"/>
+            <a:endParaRPr lang="en-US" sz="1000" dirty="0"/>
+          </a:p>
+        </p:txBody>
+      </p:sp>
+      <p:sp>
+        <p:nvSpPr>
+          <p:cNvPr id="21" name="Abgerundetes Rechteck 20"/>
+          <p:cNvSpPr/>
+          <p:nvPr/>
+        </p:nvSpPr>
+        <p:spPr>
+          <a:xfrm>
+            <a:off x="2834934" y="4690810"/>
+            <a:ext cx="1458162" cy="363523"/>
+          </a:xfrm>
+          <a:prstGeom prst="roundRect">
+            <a:avLst/>
+          </a:prstGeom>
+        </p:spPr>
+        <p:style>
+          <a:lnRef idx="1">
+            <a:schemeClr val="accent1"/>
+          </a:lnRef>
+          <a:fillRef idx="2">
+            <a:schemeClr val="accent1"/>
+          </a:fillRef>
+          <a:effectRef idx="1">
+            <a:schemeClr val="accent1"/>
+          </a:effectRef>
+          <a:fontRef idx="minor">
+            <a:schemeClr val="dk1"/>
+          </a:fontRef>
+        </p:style>
+        <p:txBody>
+          <a:bodyPr rtlCol="0" anchor="ctr"/>
+          <a:lstStyle/>
+          <a:p>
+            <a:pPr algn="ctr"/>
+            <a:r>
+              <a:rPr lang="en-US" sz="1000" dirty="0" smtClean="0"/>
               <a:t>Add missing participants and catalysts</a:t>
             </a:r>
-            <a:endParaRPr lang="en-US" sz="1600" dirty="0"/>
-          </a:p>
-        </p:txBody>
-      </p:sp>
-      <p:sp>
-        <p:nvSpPr>
-          <p:cNvPr id="11" name="Rechteck 10"/>
-          <p:cNvSpPr/>
-          <p:nvPr/>
-        </p:nvSpPr>
-        <p:spPr>
-          <a:xfrm>
-            <a:off x="3779912" y="4077072"/>
-            <a:ext cx="1944216" cy="648072"/>
-          </a:xfrm>
-          <a:prstGeom prst="rect">
-            <a:avLst/>
-          </a:prstGeom>
-        </p:spPr>
-        <p:style>
-          <a:lnRef idx="2">
-            <a:schemeClr val="accent1">
-              <a:shade val="50000"/>
-            </a:schemeClr>
-          </a:lnRef>
-          <a:fillRef idx="1">
-            <a:schemeClr val="accent1"/>
-          </a:fillRef>
-          <a:effectRef idx="0">
-            <a:schemeClr val="accent1"/>
-          </a:effectRef>
-          <a:fontRef idx="minor">
-            <a:schemeClr val="lt1"/>
-          </a:fontRef>
-        </p:style>
-        <p:txBody>
-          <a:bodyPr rtlCol="0" anchor="ctr"/>
-          <a:lstStyle/>
-          <a:p>
-            <a:pPr algn="ctr"/>
-            <a:r>
-              <a:rPr lang="en-US" sz="1600" dirty="0" smtClean="0"/>
+            <a:endParaRPr lang="en-US" sz="1000" dirty="0"/>
+          </a:p>
+        </p:txBody>
+      </p:sp>
+      <p:sp>
+        <p:nvSpPr>
+          <p:cNvPr id="22" name="Abgerundetes Rechteck 21"/>
+          <p:cNvSpPr/>
+          <p:nvPr/>
+        </p:nvSpPr>
+        <p:spPr>
+          <a:xfrm>
+            <a:off x="2834934" y="5650917"/>
+            <a:ext cx="1458162" cy="363523"/>
+          </a:xfrm>
+          <a:prstGeom prst="roundRect">
+            <a:avLst/>
+          </a:prstGeom>
+        </p:spPr>
+        <p:style>
+          <a:lnRef idx="1">
+            <a:schemeClr val="accent1"/>
+          </a:lnRef>
+          <a:fillRef idx="2">
+            <a:schemeClr val="accent1"/>
+          </a:fillRef>
+          <a:effectRef idx="1">
+            <a:schemeClr val="accent1"/>
+          </a:effectRef>
+          <a:fontRef idx="minor">
+            <a:schemeClr val="dk1"/>
+          </a:fontRef>
+        </p:style>
+        <p:txBody>
+          <a:bodyPr rtlCol="0" anchor="ctr"/>
+          <a:lstStyle/>
+          <a:p>
+            <a:pPr algn="ctr"/>
+            <a:r>
+              <a:rPr lang="en-US" sz="1000" dirty="0" smtClean="0"/>
               <a:t>Add stoichiometry</a:t>
             </a:r>
-            <a:endParaRPr lang="en-US" sz="1600" dirty="0"/>
-          </a:p>
-        </p:txBody>
-      </p:sp>
-      <p:sp>
-        <p:nvSpPr>
-          <p:cNvPr id="12" name="Rechteck 11"/>
-          <p:cNvSpPr/>
-          <p:nvPr/>
-        </p:nvSpPr>
-        <p:spPr>
-          <a:xfrm>
-            <a:off x="3779912" y="4797152"/>
-            <a:ext cx="1944216" cy="648072"/>
-          </a:xfrm>
-          <a:prstGeom prst="rect">
-            <a:avLst/>
-          </a:prstGeom>
-        </p:spPr>
-        <p:style>
-          <a:lnRef idx="2">
-            <a:schemeClr val="accent1">
-              <a:shade val="50000"/>
-            </a:schemeClr>
-          </a:lnRef>
-          <a:fillRef idx="1">
-            <a:schemeClr val="accent1"/>
-          </a:fillRef>
-          <a:effectRef idx="0">
-            <a:schemeClr val="accent1"/>
-          </a:effectRef>
-          <a:fontRef idx="minor">
-            <a:schemeClr val="lt1"/>
-          </a:fontRef>
-        </p:style>
-        <p:txBody>
-          <a:bodyPr rtlCol="0" anchor="ctr"/>
-          <a:lstStyle/>
-          <a:p>
-            <a:pPr algn="ctr"/>
-            <a:r>
-              <a:rPr lang="en-US" sz="1600" dirty="0" smtClean="0"/>
+            <a:endParaRPr lang="en-US" sz="1000" dirty="0"/>
+          </a:p>
+        </p:txBody>
+      </p:sp>
+      <p:sp>
+        <p:nvSpPr>
+          <p:cNvPr id="23" name="Abgerundetes Rechteck 22"/>
+          <p:cNvSpPr/>
+          <p:nvPr/>
+        </p:nvSpPr>
+        <p:spPr>
+          <a:xfrm>
+            <a:off x="2834934" y="6611024"/>
+            <a:ext cx="1458162" cy="363523"/>
+          </a:xfrm>
+          <a:prstGeom prst="roundRect">
+            <a:avLst/>
+          </a:prstGeom>
+        </p:spPr>
+        <p:style>
+          <a:lnRef idx="1">
+            <a:schemeClr val="accent1"/>
+          </a:lnRef>
+          <a:fillRef idx="2">
+            <a:schemeClr val="accent1"/>
+          </a:fillRef>
+          <a:effectRef idx="1">
+            <a:schemeClr val="accent1"/>
+          </a:effectRef>
+          <a:fontRef idx="minor">
+            <a:schemeClr val="dk1"/>
+          </a:fontRef>
+        </p:style>
+        <p:txBody>
+          <a:bodyPr rtlCol="0" anchor="ctr"/>
+          <a:lstStyle/>
+          <a:p>
+            <a:pPr algn="ctr"/>
+            <a:r>
+              <a:rPr lang="en-US" sz="1000" dirty="0" smtClean="0"/>
               <a:t>Perform atom balance check</a:t>
             </a:r>
-            <a:endParaRPr lang="en-US" sz="1600" dirty="0"/>
+            <a:endParaRPr lang="en-US" sz="1000" dirty="0"/>
           </a:p>
         </p:txBody>
       </p:sp>
@@ -3523,16 +3513,1062 @@
       </p:grpSpPr>
       <p:sp>
         <p:nvSpPr>
-          <p:cNvPr id="4" name="Rechteck 3"/>
-          <p:cNvSpPr/>
-          <p:nvPr/>
-        </p:nvSpPr>
-        <p:spPr>
-          <a:xfrm>
-            <a:off x="899592" y="1412776"/>
-            <a:ext cx="1944216" cy="648072"/>
-          </a:xfrm>
-          <a:prstGeom prst="rect">
+          <p:cNvPr id="4" name="Abgerundetes Rechteck 3"/>
+          <p:cNvSpPr/>
+          <p:nvPr/>
+        </p:nvSpPr>
+        <p:spPr>
+          <a:xfrm>
+            <a:off x="686996" y="5103478"/>
+            <a:ext cx="1458162" cy="430400"/>
+          </a:xfrm>
+          <a:prstGeom prst="roundRect">
+            <a:avLst/>
+          </a:prstGeom>
+        </p:spPr>
+        <p:style>
+          <a:lnRef idx="1">
+            <a:schemeClr val="accent1"/>
+          </a:lnRef>
+          <a:fillRef idx="2">
+            <a:schemeClr val="accent1"/>
+          </a:fillRef>
+          <a:effectRef idx="1">
+            <a:schemeClr val="accent1"/>
+          </a:effectRef>
+          <a:fontRef idx="minor">
+            <a:schemeClr val="dk1"/>
+          </a:fontRef>
+        </p:style>
+        <p:txBody>
+          <a:bodyPr rtlCol="0" anchor="ctr"/>
+          <a:lstStyle/>
+          <a:p>
+            <a:pPr algn="ctr"/>
+            <a:r>
+              <a:rPr lang="en-US" sz="1000" dirty="0" smtClean="0"/>
+              <a:t>Convert entries to appropriate </a:t>
+            </a:r>
+            <a:r>
+              <a:rPr lang="en-US" sz="1000" dirty="0" err="1" smtClean="0"/>
+              <a:t>BioPAX</a:t>
+            </a:r>
+            <a:r>
+              <a:rPr lang="en-US" sz="1000" dirty="0" smtClean="0"/>
+              <a:t> elements</a:t>
+            </a:r>
+            <a:endParaRPr lang="en-US" sz="1000" dirty="0"/>
+          </a:p>
+        </p:txBody>
+      </p:sp>
+      <p:sp>
+        <p:nvSpPr>
+          <p:cNvPr id="5" name="Abgerundetes Rechteck 4"/>
+          <p:cNvSpPr/>
+          <p:nvPr/>
+        </p:nvSpPr>
+        <p:spPr>
+          <a:xfrm>
+            <a:off x="4143380" y="5199489"/>
+            <a:ext cx="1458162" cy="430400"/>
+          </a:xfrm>
+          <a:prstGeom prst="roundRect">
+            <a:avLst/>
+          </a:prstGeom>
+        </p:spPr>
+        <p:style>
+          <a:lnRef idx="1">
+            <a:schemeClr val="accent1"/>
+          </a:lnRef>
+          <a:fillRef idx="2">
+            <a:schemeClr val="accent1"/>
+          </a:fillRef>
+          <a:effectRef idx="1">
+            <a:schemeClr val="accent1"/>
+          </a:effectRef>
+          <a:fontRef idx="minor">
+            <a:schemeClr val="dk1"/>
+          </a:fontRef>
+        </p:style>
+        <p:txBody>
+          <a:bodyPr rtlCol="0" anchor="ctr"/>
+          <a:lstStyle/>
+          <a:p>
+            <a:pPr algn="ctr"/>
+            <a:r>
+              <a:rPr lang="en-US" sz="1000" dirty="0" smtClean="0"/>
+              <a:t>Convert entries to species with SBO terms</a:t>
+            </a:r>
+            <a:endParaRPr lang="en-US" sz="1000" dirty="0"/>
+          </a:p>
+        </p:txBody>
+      </p:sp>
+      <p:sp>
+        <p:nvSpPr>
+          <p:cNvPr id="6" name="Abgerundetes Rechteck 5"/>
+          <p:cNvSpPr/>
+          <p:nvPr/>
+        </p:nvSpPr>
+        <p:spPr>
+          <a:xfrm>
+            <a:off x="674694" y="7982026"/>
+            <a:ext cx="1458162" cy="430400"/>
+          </a:xfrm>
+          <a:prstGeom prst="roundRect">
+            <a:avLst/>
+          </a:prstGeom>
+        </p:spPr>
+        <p:style>
+          <a:lnRef idx="1">
+            <a:schemeClr val="accent1"/>
+          </a:lnRef>
+          <a:fillRef idx="2">
+            <a:schemeClr val="accent1"/>
+          </a:fillRef>
+          <a:effectRef idx="1">
+            <a:schemeClr val="accent1"/>
+          </a:effectRef>
+          <a:fontRef idx="minor">
+            <a:schemeClr val="dk1"/>
+          </a:fontRef>
+        </p:style>
+        <p:txBody>
+          <a:bodyPr rtlCol="0" anchor="ctr"/>
+          <a:lstStyle/>
+          <a:p>
+            <a:pPr algn="ctr"/>
+            <a:r>
+              <a:rPr lang="en-US" sz="1000" dirty="0" smtClean="0"/>
+              <a:t>Add cross-references and annotations to all objects</a:t>
+            </a:r>
+            <a:endParaRPr lang="en-US" sz="1000" dirty="0"/>
+          </a:p>
+        </p:txBody>
+      </p:sp>
+      <p:sp>
+        <p:nvSpPr>
+          <p:cNvPr id="7" name="Abgerundetes Rechteck 6"/>
+          <p:cNvSpPr/>
+          <p:nvPr/>
+        </p:nvSpPr>
+        <p:spPr>
+          <a:xfrm>
+            <a:off x="4239090" y="7945514"/>
+            <a:ext cx="1458162" cy="430400"/>
+          </a:xfrm>
+          <a:prstGeom prst="roundRect">
+            <a:avLst/>
+          </a:prstGeom>
+        </p:spPr>
+        <p:style>
+          <a:lnRef idx="1">
+            <a:schemeClr val="accent1"/>
+          </a:lnRef>
+          <a:fillRef idx="2">
+            <a:schemeClr val="accent1"/>
+          </a:fillRef>
+          <a:effectRef idx="1">
+            <a:schemeClr val="accent1"/>
+          </a:effectRef>
+          <a:fontRef idx="minor">
+            <a:schemeClr val="dk1"/>
+          </a:fontRef>
+        </p:style>
+        <p:txBody>
+          <a:bodyPr rtlCol="0" anchor="ctr"/>
+          <a:lstStyle/>
+          <a:p>
+            <a:pPr algn="ctr"/>
+            <a:r>
+              <a:rPr lang="en-US" sz="1000" dirty="0" smtClean="0"/>
+              <a:t>Add MIRIAM URNs and annotations to all objects</a:t>
+            </a:r>
+            <a:endParaRPr lang="en-US" sz="1000" dirty="0"/>
+          </a:p>
+        </p:txBody>
+      </p:sp>
+      <p:sp>
+        <p:nvSpPr>
+          <p:cNvPr id="8" name="Abgerundetes Rechteck 7"/>
+          <p:cNvSpPr/>
+          <p:nvPr/>
+        </p:nvSpPr>
+        <p:spPr>
+          <a:xfrm>
+            <a:off x="2428868" y="4572000"/>
+            <a:ext cx="1458162" cy="430400"/>
+          </a:xfrm>
+          <a:prstGeom prst="roundRect">
+            <a:avLst/>
+          </a:prstGeom>
+        </p:spPr>
+        <p:style>
+          <a:lnRef idx="1">
+            <a:schemeClr val="accent1"/>
+          </a:lnRef>
+          <a:fillRef idx="2">
+            <a:schemeClr val="accent1"/>
+          </a:fillRef>
+          <a:effectRef idx="1">
+            <a:schemeClr val="accent1"/>
+          </a:effectRef>
+          <a:fontRef idx="minor">
+            <a:schemeClr val="dk1"/>
+          </a:fontRef>
+        </p:style>
+        <p:txBody>
+          <a:bodyPr rtlCol="0" anchor="ctr"/>
+          <a:lstStyle/>
+          <a:p>
+            <a:pPr algn="ctr"/>
+            <a:r>
+              <a:rPr lang="en-US" sz="1000" dirty="0" smtClean="0"/>
+              <a:t>Merge same entries</a:t>
+            </a:r>
+            <a:endParaRPr lang="en-US" sz="1000" dirty="0"/>
+          </a:p>
+        </p:txBody>
+      </p:sp>
+      <p:sp>
+        <p:nvSpPr>
+          <p:cNvPr id="9" name="Abgerundetes Rechteck 8"/>
+          <p:cNvSpPr/>
+          <p:nvPr/>
+        </p:nvSpPr>
+        <p:spPr>
+          <a:xfrm>
+            <a:off x="686996" y="5737300"/>
+            <a:ext cx="1458162" cy="430400"/>
+          </a:xfrm>
+          <a:prstGeom prst="roundRect">
+            <a:avLst/>
+          </a:prstGeom>
+        </p:spPr>
+        <p:style>
+          <a:lnRef idx="1">
+            <a:schemeClr val="accent1"/>
+          </a:lnRef>
+          <a:fillRef idx="2">
+            <a:schemeClr val="accent1"/>
+          </a:fillRef>
+          <a:effectRef idx="1">
+            <a:schemeClr val="accent1"/>
+          </a:effectRef>
+          <a:fontRef idx="minor">
+            <a:schemeClr val="dk1"/>
+          </a:fontRef>
+        </p:style>
+        <p:txBody>
+          <a:bodyPr rtlCol="0" anchor="ctr"/>
+          <a:lstStyle/>
+          <a:p>
+            <a:pPr algn="ctr"/>
+            <a:r>
+              <a:rPr lang="en-US" sz="1000" dirty="0" smtClean="0"/>
+              <a:t>Special instances and annotations for complexes and small  molecules</a:t>
+            </a:r>
+            <a:endParaRPr lang="en-US" sz="1000" dirty="0"/>
+          </a:p>
+        </p:txBody>
+      </p:sp>
+      <p:sp>
+        <p:nvSpPr>
+          <p:cNvPr id="10" name="Abgerundetes Rechteck 9"/>
+          <p:cNvSpPr/>
+          <p:nvPr/>
+        </p:nvSpPr>
+        <p:spPr>
+          <a:xfrm>
+            <a:off x="686996" y="6308805"/>
+            <a:ext cx="1458162" cy="430400"/>
+          </a:xfrm>
+          <a:prstGeom prst="roundRect">
+            <a:avLst/>
+          </a:prstGeom>
+        </p:spPr>
+        <p:style>
+          <a:lnRef idx="1">
+            <a:schemeClr val="accent1"/>
+          </a:lnRef>
+          <a:fillRef idx="2">
+            <a:schemeClr val="accent1"/>
+          </a:fillRef>
+          <a:effectRef idx="1">
+            <a:schemeClr val="accent1"/>
+          </a:effectRef>
+          <a:fontRef idx="minor">
+            <a:schemeClr val="dk1"/>
+          </a:fontRef>
+        </p:style>
+        <p:txBody>
+          <a:bodyPr rtlCol="0" anchor="ctr"/>
+          <a:lstStyle/>
+          <a:p>
+            <a:pPr algn="ctr"/>
+            <a:r>
+              <a:rPr lang="en-US" sz="1000" dirty="0" smtClean="0"/>
+              <a:t>Create Catalysis and Biochemical reactions</a:t>
+            </a:r>
+            <a:endParaRPr lang="en-US" sz="1000" dirty="0"/>
+          </a:p>
+        </p:txBody>
+      </p:sp>
+      <p:sp>
+        <p:nvSpPr>
+          <p:cNvPr id="11" name="Abgerundetes Rechteck 10"/>
+          <p:cNvSpPr/>
+          <p:nvPr/>
+        </p:nvSpPr>
+        <p:spPr>
+          <a:xfrm>
+            <a:off x="2571744" y="6858016"/>
+            <a:ext cx="1458162" cy="430400"/>
+          </a:xfrm>
+          <a:prstGeom prst="roundRect">
+            <a:avLst/>
+          </a:prstGeom>
+        </p:spPr>
+        <p:style>
+          <a:lnRef idx="1">
+            <a:schemeClr val="accent1"/>
+          </a:lnRef>
+          <a:fillRef idx="2">
+            <a:schemeClr val="accent1"/>
+          </a:fillRef>
+          <a:effectRef idx="1">
+            <a:schemeClr val="accent1"/>
+          </a:effectRef>
+          <a:fontRef idx="minor">
+            <a:schemeClr val="dk1"/>
+          </a:fontRef>
+        </p:style>
+        <p:txBody>
+          <a:bodyPr rtlCol="0" anchor="ctr"/>
+          <a:lstStyle/>
+          <a:p>
+            <a:pPr algn="ctr"/>
+            <a:r>
+              <a:rPr lang="en-US" sz="1000" dirty="0" smtClean="0"/>
+              <a:t>Add Stoichiometry</a:t>
+            </a:r>
+            <a:endParaRPr lang="en-US" sz="1000" dirty="0"/>
+          </a:p>
+        </p:txBody>
+      </p:sp>
+      <p:sp>
+        <p:nvSpPr>
+          <p:cNvPr id="12" name="Abgerundetes Rechteck 11"/>
+          <p:cNvSpPr/>
+          <p:nvPr/>
+        </p:nvSpPr>
+        <p:spPr>
+          <a:xfrm>
+            <a:off x="674694" y="7356310"/>
+            <a:ext cx="1458162" cy="430400"/>
+          </a:xfrm>
+          <a:prstGeom prst="roundRect">
+            <a:avLst/>
+          </a:prstGeom>
+        </p:spPr>
+        <p:style>
+          <a:lnRef idx="1">
+            <a:schemeClr val="accent1"/>
+          </a:lnRef>
+          <a:fillRef idx="2">
+            <a:schemeClr val="accent1"/>
+          </a:fillRef>
+          <a:effectRef idx="1">
+            <a:schemeClr val="accent1"/>
+          </a:effectRef>
+          <a:fontRef idx="minor">
+            <a:schemeClr val="dk1"/>
+          </a:fontRef>
+        </p:style>
+        <p:txBody>
+          <a:bodyPr rtlCol="0" anchor="ctr"/>
+          <a:lstStyle/>
+          <a:p>
+            <a:pPr algn="ctr"/>
+            <a:r>
+              <a:rPr lang="en-US" sz="1000" dirty="0" smtClean="0"/>
+              <a:t>Add relations</a:t>
+            </a:r>
+            <a:endParaRPr lang="en-US" sz="1000" dirty="0"/>
+          </a:p>
+        </p:txBody>
+      </p:sp>
+      <p:sp>
+        <p:nvSpPr>
+          <p:cNvPr id="13" name="Abgerundetes Rechteck 12"/>
+          <p:cNvSpPr/>
+          <p:nvPr/>
+        </p:nvSpPr>
+        <p:spPr>
+          <a:xfrm>
+            <a:off x="4143380" y="5929322"/>
+            <a:ext cx="1458162" cy="430400"/>
+          </a:xfrm>
+          <a:prstGeom prst="roundRect">
+            <a:avLst/>
+          </a:prstGeom>
+        </p:spPr>
+        <p:style>
+          <a:lnRef idx="1">
+            <a:schemeClr val="accent1"/>
+          </a:lnRef>
+          <a:fillRef idx="2">
+            <a:schemeClr val="accent1"/>
+          </a:fillRef>
+          <a:effectRef idx="1">
+            <a:schemeClr val="accent1"/>
+          </a:effectRef>
+          <a:fontRef idx="minor">
+            <a:schemeClr val="dk1"/>
+          </a:fontRef>
+        </p:style>
+        <p:txBody>
+          <a:bodyPr rtlCol="0" anchor="ctr"/>
+          <a:lstStyle/>
+          <a:p>
+            <a:pPr algn="ctr"/>
+            <a:r>
+              <a:rPr lang="en-US" sz="1000" dirty="0" smtClean="0"/>
+              <a:t>Convert Groups using the groups extension</a:t>
+            </a:r>
+            <a:endParaRPr lang="en-US" sz="1000" dirty="0"/>
+          </a:p>
+        </p:txBody>
+      </p:sp>
+      <p:sp>
+        <p:nvSpPr>
+          <p:cNvPr id="14" name="Abgerundetes Rechteck 13"/>
+          <p:cNvSpPr/>
+          <p:nvPr/>
+        </p:nvSpPr>
+        <p:spPr>
+          <a:xfrm>
+            <a:off x="4143380" y="6500826"/>
+            <a:ext cx="1458162" cy="430400"/>
+          </a:xfrm>
+          <a:prstGeom prst="roundRect">
+            <a:avLst/>
+          </a:prstGeom>
+        </p:spPr>
+        <p:style>
+          <a:lnRef idx="1">
+            <a:schemeClr val="accent1"/>
+          </a:lnRef>
+          <a:fillRef idx="2">
+            <a:schemeClr val="accent1"/>
+          </a:fillRef>
+          <a:effectRef idx="1">
+            <a:schemeClr val="accent1"/>
+          </a:effectRef>
+          <a:fontRef idx="minor">
+            <a:schemeClr val="dk1"/>
+          </a:fontRef>
+        </p:style>
+        <p:txBody>
+          <a:bodyPr rtlCol="0" anchor="ctr"/>
+          <a:lstStyle/>
+          <a:p>
+            <a:pPr algn="ctr"/>
+            <a:r>
+              <a:rPr lang="en-US" sz="1000" dirty="0" smtClean="0"/>
+              <a:t>Create Reactions</a:t>
+            </a:r>
+          </a:p>
+        </p:txBody>
+      </p:sp>
+      <p:sp>
+        <p:nvSpPr>
+          <p:cNvPr id="15" name="Abgerundetes Rechteck 14"/>
+          <p:cNvSpPr/>
+          <p:nvPr/>
+        </p:nvSpPr>
+        <p:spPr>
+          <a:xfrm>
+            <a:off x="4286256" y="7286644"/>
+            <a:ext cx="1458162" cy="430400"/>
+          </a:xfrm>
+          <a:prstGeom prst="roundRect">
+            <a:avLst/>
+          </a:prstGeom>
+        </p:spPr>
+        <p:style>
+          <a:lnRef idx="1">
+            <a:schemeClr val="accent1"/>
+          </a:lnRef>
+          <a:fillRef idx="2">
+            <a:schemeClr val="accent1"/>
+          </a:fillRef>
+          <a:effectRef idx="1">
+            <a:schemeClr val="accent1"/>
+          </a:effectRef>
+          <a:fontRef idx="minor">
+            <a:schemeClr val="dk1"/>
+          </a:fontRef>
+        </p:style>
+        <p:txBody>
+          <a:bodyPr rtlCol="0" anchor="ctr"/>
+          <a:lstStyle/>
+          <a:p>
+            <a:pPr algn="ctr"/>
+            <a:r>
+              <a:rPr lang="en-US" sz="1000" dirty="0" smtClean="0"/>
+              <a:t>Add relations as qualitative model transitions</a:t>
+            </a:r>
+            <a:endParaRPr lang="en-US" sz="1000" dirty="0"/>
+          </a:p>
+        </p:txBody>
+      </p:sp>
+    </p:spTree>
+  </p:cSld>
+  <p:clrMapOvr>
+    <a:masterClrMapping/>
+  </p:clrMapOvr>
+</p:sld>
+</file>
+
+<file path=ppt/slides/slide3.xml><?xml version="1.0" encoding="utf-8"?>
+<p:sld xmlns:a="http://schemas.openxmlformats.org/drawingml/2006/main" xmlns:r="http://schemas.openxmlformats.org/officeDocument/2006/relationships" xmlns:p="http://schemas.openxmlformats.org/presentationml/2006/main">
+  <p:cSld>
+    <p:spTree>
+      <p:nvGrpSpPr>
+        <p:cNvPr id="1" name=""/>
+        <p:cNvGrpSpPr/>
+        <p:nvPr/>
+      </p:nvGrpSpPr>
+      <p:grpSpPr>
+        <a:xfrm>
+          <a:off x="0" y="0"/>
+          <a:ext cx="0" cy="0"/>
+          <a:chOff x="0" y="0"/>
+          <a:chExt cx="0" cy="0"/>
+        </a:xfrm>
+      </p:grpSpPr>
+      <p:sp>
+        <p:nvSpPr>
+          <p:cNvPr id="4" name="Abgerundetes Rechteck 3"/>
+          <p:cNvSpPr/>
+          <p:nvPr/>
+        </p:nvSpPr>
+        <p:spPr>
+          <a:xfrm>
+            <a:off x="2340570" y="2500298"/>
+            <a:ext cx="2160000" cy="2071702"/>
+          </a:xfrm>
+          <a:prstGeom prst="roundRect">
+            <a:avLst/>
+          </a:prstGeom>
+        </p:spPr>
+        <p:style>
+          <a:lnRef idx="0">
+            <a:schemeClr val="accent1"/>
+          </a:lnRef>
+          <a:fillRef idx="3">
+            <a:schemeClr val="accent1"/>
+          </a:fillRef>
+          <a:effectRef idx="3">
+            <a:schemeClr val="accent1"/>
+          </a:effectRef>
+          <a:fontRef idx="minor">
+            <a:schemeClr val="lt1"/>
+          </a:fontRef>
+        </p:style>
+        <p:txBody>
+          <a:bodyPr rtlCol="0" anchor="ctr"/>
+          <a:lstStyle/>
+          <a:p>
+            <a:r>
+              <a:rPr lang="en-US" sz="1000" b="1" dirty="0" smtClean="0">
+                <a:solidFill>
+                  <a:schemeClr val="lt1"/>
+                </a:solidFill>
+              </a:rPr>
+              <a:t>Process reactions</a:t>
+            </a:r>
+            <a:endParaRPr lang="en-US" sz="1000" dirty="0" smtClean="0">
+              <a:solidFill>
+                <a:schemeClr val="lt1"/>
+              </a:solidFill>
+            </a:endParaRPr>
+          </a:p>
+          <a:p>
+            <a:endParaRPr lang="en-US" sz="1100" dirty="0" smtClean="0">
+              <a:solidFill>
+                <a:schemeClr val="lt1"/>
+              </a:solidFill>
+            </a:endParaRPr>
+          </a:p>
+          <a:p>
+            <a:endParaRPr lang="en-US" sz="1000" dirty="0" smtClean="0"/>
+          </a:p>
+          <a:p>
+            <a:endParaRPr lang="en-US" sz="1000" dirty="0" smtClean="0">
+              <a:solidFill>
+                <a:schemeClr val="lt1"/>
+              </a:solidFill>
+            </a:endParaRPr>
+          </a:p>
+          <a:p>
+            <a:endParaRPr lang="en-US" sz="1000" dirty="0" smtClean="0"/>
+          </a:p>
+          <a:p>
+            <a:endParaRPr lang="en-US" sz="1000" dirty="0" smtClean="0">
+              <a:solidFill>
+                <a:schemeClr val="lt1"/>
+              </a:solidFill>
+            </a:endParaRPr>
+          </a:p>
+          <a:p>
+            <a:endParaRPr lang="en-US" sz="1000" dirty="0" smtClean="0"/>
+          </a:p>
+          <a:p>
+            <a:endParaRPr lang="en-US" sz="1000" dirty="0" smtClean="0">
+              <a:solidFill>
+                <a:schemeClr val="lt1"/>
+              </a:solidFill>
+            </a:endParaRPr>
+          </a:p>
+          <a:p>
+            <a:endParaRPr lang="en-US" sz="1000" dirty="0" smtClean="0"/>
+          </a:p>
+          <a:p>
+            <a:endParaRPr lang="en-US" sz="1000" dirty="0" smtClean="0">
+              <a:solidFill>
+                <a:schemeClr val="lt1"/>
+              </a:solidFill>
+            </a:endParaRPr>
+          </a:p>
+          <a:p>
+            <a:endParaRPr lang="en-US" sz="1000" dirty="0" smtClean="0"/>
+          </a:p>
+          <a:p>
+            <a:endParaRPr lang="en-US" sz="1000" dirty="0">
+              <a:solidFill>
+                <a:schemeClr val="lt1"/>
+              </a:solidFill>
+            </a:endParaRPr>
+          </a:p>
+        </p:txBody>
+      </p:sp>
+      <p:sp>
+        <p:nvSpPr>
+          <p:cNvPr id="5" name="Abgerundetes Rechteck 4"/>
+          <p:cNvSpPr/>
+          <p:nvPr/>
+        </p:nvSpPr>
+        <p:spPr>
+          <a:xfrm>
+            <a:off x="3471863" y="71406"/>
+            <a:ext cx="1476000" cy="504000"/>
+          </a:xfrm>
+          <a:prstGeom prst="roundRect">
+            <a:avLst/>
+          </a:prstGeom>
+        </p:spPr>
+        <p:style>
+          <a:lnRef idx="0">
+            <a:schemeClr val="accent1"/>
+          </a:lnRef>
+          <a:fillRef idx="3">
+            <a:schemeClr val="accent1"/>
+          </a:fillRef>
+          <a:effectRef idx="3">
+            <a:schemeClr val="accent1"/>
+          </a:effectRef>
+          <a:fontRef idx="minor">
+            <a:schemeClr val="lt1"/>
+          </a:fontRef>
+        </p:style>
+        <p:txBody>
+          <a:bodyPr rtlCol="0" anchor="ctr"/>
+          <a:lstStyle/>
+          <a:p>
+            <a:pPr algn="ctr"/>
+            <a:r>
+              <a:rPr lang="en-US" sz="1000" b="1" dirty="0" smtClean="0">
+                <a:solidFill>
+                  <a:schemeClr val="lt1"/>
+                </a:solidFill>
+              </a:rPr>
+              <a:t>KGML file</a:t>
+            </a:r>
+            <a:endParaRPr lang="en-US" sz="1000" b="1" dirty="0">
+              <a:solidFill>
+                <a:schemeClr val="lt1"/>
+              </a:solidFill>
+            </a:endParaRPr>
+          </a:p>
+        </p:txBody>
+      </p:sp>
+      <p:sp>
+        <p:nvSpPr>
+          <p:cNvPr id="6" name="Abgerundetes Rechteck 5"/>
+          <p:cNvSpPr/>
+          <p:nvPr/>
+        </p:nvSpPr>
+        <p:spPr>
+          <a:xfrm>
+            <a:off x="1900227" y="71406"/>
+            <a:ext cx="1476000" cy="504000"/>
+          </a:xfrm>
+          <a:prstGeom prst="roundRect">
+            <a:avLst/>
+          </a:prstGeom>
+        </p:spPr>
+        <p:style>
+          <a:lnRef idx="0">
+            <a:schemeClr val="accent1"/>
+          </a:lnRef>
+          <a:fillRef idx="3">
+            <a:schemeClr val="accent1"/>
+          </a:fillRef>
+          <a:effectRef idx="3">
+            <a:schemeClr val="accent1"/>
+          </a:effectRef>
+          <a:fontRef idx="minor">
+            <a:schemeClr val="lt1"/>
+          </a:fontRef>
+        </p:style>
+        <p:txBody>
+          <a:bodyPr rtlCol="0" anchor="ctr"/>
+          <a:lstStyle/>
+          <a:p>
+            <a:pPr algn="ctr"/>
+            <a:r>
+              <a:rPr lang="en-US" sz="1000" b="1" dirty="0" smtClean="0">
+                <a:solidFill>
+                  <a:schemeClr val="lt1"/>
+                </a:solidFill>
+              </a:rPr>
+              <a:t>Other KEGG databases </a:t>
+            </a:r>
+            <a:r>
+              <a:rPr lang="en-US" sz="1000" dirty="0" smtClean="0">
+                <a:solidFill>
+                  <a:schemeClr val="lt1"/>
+                </a:solidFill>
+              </a:rPr>
+              <a:t>(via API)</a:t>
+            </a:r>
+            <a:endParaRPr lang="en-US" sz="1000" dirty="0">
+              <a:solidFill>
+                <a:schemeClr val="lt1"/>
+              </a:solidFill>
+            </a:endParaRPr>
+          </a:p>
+        </p:txBody>
+      </p:sp>
+      <p:sp>
+        <p:nvSpPr>
+          <p:cNvPr id="7" name="Abgerundetes Rechteck 6"/>
+          <p:cNvSpPr/>
+          <p:nvPr/>
+        </p:nvSpPr>
+        <p:spPr>
+          <a:xfrm>
+            <a:off x="2340570" y="928662"/>
+            <a:ext cx="2160000" cy="432000"/>
+          </a:xfrm>
+          <a:prstGeom prst="roundRect">
+            <a:avLst/>
+          </a:prstGeom>
+        </p:spPr>
+        <p:style>
+          <a:lnRef idx="0">
+            <a:schemeClr val="accent1"/>
+          </a:lnRef>
+          <a:fillRef idx="3">
+            <a:schemeClr val="accent1"/>
+          </a:fillRef>
+          <a:effectRef idx="3">
+            <a:schemeClr val="accent1"/>
+          </a:effectRef>
+          <a:fontRef idx="minor">
+            <a:schemeClr val="lt1"/>
+          </a:fontRef>
+        </p:style>
+        <p:txBody>
+          <a:bodyPr rtlCol="0" anchor="ctr"/>
+          <a:lstStyle/>
+          <a:p>
+            <a:pPr algn="ctr"/>
+            <a:r>
+              <a:rPr lang="en-US" sz="1000" b="1" dirty="0" smtClean="0">
+                <a:solidFill>
+                  <a:schemeClr val="lt1"/>
+                </a:solidFill>
+              </a:rPr>
+              <a:t>Organism-specific removal of </a:t>
+            </a:r>
+            <a:endParaRPr lang="en-US" sz="1000" b="1" dirty="0" smtClean="0">
+              <a:solidFill>
+                <a:schemeClr val="lt1"/>
+              </a:solidFill>
+            </a:endParaRPr>
+          </a:p>
+          <a:p>
+            <a:pPr algn="ctr"/>
+            <a:r>
+              <a:rPr lang="en-US" sz="1000" b="1" dirty="0" smtClean="0">
+                <a:solidFill>
+                  <a:schemeClr val="lt1"/>
+                </a:solidFill>
+              </a:rPr>
+              <a:t>non-physical entities</a:t>
+            </a:r>
+            <a:endParaRPr lang="en-US" sz="1000" b="1" dirty="0">
+              <a:solidFill>
+                <a:schemeClr val="lt1"/>
+              </a:solidFill>
+            </a:endParaRPr>
+          </a:p>
+        </p:txBody>
+      </p:sp>
+      <p:sp>
+        <p:nvSpPr>
+          <p:cNvPr id="8" name="Abgerundetes Rechteck 7"/>
+          <p:cNvSpPr/>
+          <p:nvPr/>
+        </p:nvSpPr>
+        <p:spPr>
+          <a:xfrm>
+            <a:off x="2340570" y="1714480"/>
+            <a:ext cx="2160000" cy="432000"/>
+          </a:xfrm>
+          <a:prstGeom prst="roundRect">
+            <a:avLst/>
+          </a:prstGeom>
+        </p:spPr>
+        <p:style>
+          <a:lnRef idx="0">
+            <a:schemeClr val="accent1"/>
+          </a:lnRef>
+          <a:fillRef idx="3">
+            <a:schemeClr val="accent1"/>
+          </a:fillRef>
+          <a:effectRef idx="3">
+            <a:schemeClr val="accent1"/>
+          </a:effectRef>
+          <a:fontRef idx="minor">
+            <a:schemeClr val="lt1"/>
+          </a:fontRef>
+        </p:style>
+        <p:txBody>
+          <a:bodyPr rtlCol="0" anchor="ctr"/>
+          <a:lstStyle/>
+          <a:p>
+            <a:pPr algn="ctr"/>
+            <a:r>
+              <a:rPr lang="en-US" sz="1000" b="1" dirty="0" smtClean="0">
+                <a:solidFill>
+                  <a:schemeClr val="lt1"/>
+                </a:solidFill>
+              </a:rPr>
+              <a:t>Remove orphans</a:t>
+            </a:r>
+            <a:endParaRPr lang="en-US" sz="1000" b="1" dirty="0">
+              <a:solidFill>
+                <a:schemeClr val="lt1"/>
+              </a:solidFill>
+            </a:endParaRPr>
+          </a:p>
+        </p:txBody>
+      </p:sp>
+      <p:sp>
+        <p:nvSpPr>
+          <p:cNvPr id="10" name="Abgerundetes Rechteck 9"/>
+          <p:cNvSpPr/>
+          <p:nvPr/>
+        </p:nvSpPr>
+        <p:spPr>
+          <a:xfrm>
+            <a:off x="2626322" y="2803781"/>
+            <a:ext cx="1672476" cy="363523"/>
+          </a:xfrm>
+          <a:prstGeom prst="roundRect">
+            <a:avLst/>
+          </a:prstGeom>
+        </p:spPr>
+        <p:style>
+          <a:lnRef idx="1">
+            <a:schemeClr val="accent1"/>
+          </a:lnRef>
+          <a:fillRef idx="2">
+            <a:schemeClr val="accent1"/>
+          </a:fillRef>
+          <a:effectRef idx="1">
+            <a:schemeClr val="accent1"/>
+          </a:effectRef>
+          <a:fontRef idx="minor">
+            <a:schemeClr val="dk1"/>
+          </a:fontRef>
+        </p:style>
+        <p:txBody>
+          <a:bodyPr rtlCol="0" anchor="ctr"/>
+          <a:lstStyle/>
+          <a:p>
+            <a:pPr algn="ctr"/>
+            <a:r>
+              <a:rPr lang="en-US" sz="1000" dirty="0" smtClean="0"/>
+              <a:t>Unbundle reactions</a:t>
+            </a:r>
+            <a:endParaRPr lang="en-US" sz="1000" dirty="0"/>
+          </a:p>
+        </p:txBody>
+      </p:sp>
+      <p:sp>
+        <p:nvSpPr>
+          <p:cNvPr id="11" name="Abgerundetes Rechteck 10"/>
+          <p:cNvSpPr/>
+          <p:nvPr/>
+        </p:nvSpPr>
+        <p:spPr>
+          <a:xfrm>
+            <a:off x="2626322" y="3214678"/>
+            <a:ext cx="1672476" cy="363523"/>
+          </a:xfrm>
+          <a:prstGeom prst="roundRect">
+            <a:avLst/>
+          </a:prstGeom>
+        </p:spPr>
+        <p:style>
+          <a:lnRef idx="1">
+            <a:schemeClr val="accent1"/>
+          </a:lnRef>
+          <a:fillRef idx="2">
+            <a:schemeClr val="accent1"/>
+          </a:fillRef>
+          <a:effectRef idx="1">
+            <a:schemeClr val="accent1"/>
+          </a:effectRef>
+          <a:fontRef idx="minor">
+            <a:schemeClr val="dk1"/>
+          </a:fontRef>
+        </p:style>
+        <p:txBody>
+          <a:bodyPr rtlCol="0" anchor="ctr"/>
+          <a:lstStyle/>
+          <a:p>
+            <a:pPr algn="ctr"/>
+            <a:r>
+              <a:rPr lang="en-US" sz="1000" dirty="0" smtClean="0"/>
+              <a:t>Add missing participants and catalysts</a:t>
+            </a:r>
+            <a:endParaRPr lang="en-US" sz="1000" dirty="0"/>
+          </a:p>
+        </p:txBody>
+      </p:sp>
+      <p:sp>
+        <p:nvSpPr>
+          <p:cNvPr id="12" name="Abgerundetes Rechteck 11"/>
+          <p:cNvSpPr/>
+          <p:nvPr/>
+        </p:nvSpPr>
+        <p:spPr>
+          <a:xfrm>
+            <a:off x="2626322" y="3643306"/>
+            <a:ext cx="1672476" cy="363523"/>
+          </a:xfrm>
+          <a:prstGeom prst="roundRect">
+            <a:avLst/>
+          </a:prstGeom>
+        </p:spPr>
+        <p:style>
+          <a:lnRef idx="1">
+            <a:schemeClr val="accent1"/>
+          </a:lnRef>
+          <a:fillRef idx="2">
+            <a:schemeClr val="accent1"/>
+          </a:fillRef>
+          <a:effectRef idx="1">
+            <a:schemeClr val="accent1"/>
+          </a:effectRef>
+          <a:fontRef idx="minor">
+            <a:schemeClr val="dk1"/>
+          </a:fontRef>
+        </p:style>
+        <p:txBody>
+          <a:bodyPr rtlCol="0" anchor="ctr"/>
+          <a:lstStyle/>
+          <a:p>
+            <a:pPr algn="ctr"/>
+            <a:r>
+              <a:rPr lang="en-US" sz="1000" dirty="0" smtClean="0"/>
+              <a:t>Add stoichiometry</a:t>
+            </a:r>
+            <a:endParaRPr lang="en-US" sz="1000" dirty="0"/>
+          </a:p>
+        </p:txBody>
+      </p:sp>
+      <p:sp>
+        <p:nvSpPr>
+          <p:cNvPr id="13" name="Abgerundetes Rechteck 12"/>
+          <p:cNvSpPr/>
+          <p:nvPr/>
+        </p:nvSpPr>
+        <p:spPr>
+          <a:xfrm>
+            <a:off x="2626322" y="4065601"/>
+            <a:ext cx="1672476" cy="363523"/>
+          </a:xfrm>
+          <a:prstGeom prst="roundRect">
+            <a:avLst/>
+          </a:prstGeom>
+        </p:spPr>
+        <p:style>
+          <a:lnRef idx="1">
+            <a:schemeClr val="accent1"/>
+          </a:lnRef>
+          <a:fillRef idx="2">
+            <a:schemeClr val="accent1"/>
+          </a:fillRef>
+          <a:effectRef idx="1">
+            <a:schemeClr val="accent1"/>
+          </a:effectRef>
+          <a:fontRef idx="minor">
+            <a:schemeClr val="dk1"/>
+          </a:fontRef>
+        </p:style>
+        <p:txBody>
+          <a:bodyPr rtlCol="0" anchor="ctr"/>
+          <a:lstStyle/>
+          <a:p>
+            <a:pPr algn="ctr"/>
+            <a:r>
+              <a:rPr lang="en-US" sz="1000" dirty="0" smtClean="0"/>
+              <a:t>Perform atom </a:t>
+            </a:r>
+            <a:endParaRPr lang="en-US" sz="1000" dirty="0" smtClean="0"/>
+          </a:p>
+          <a:p>
+            <a:pPr algn="ctr"/>
+            <a:r>
+              <a:rPr lang="en-US" sz="1000" dirty="0" smtClean="0"/>
+              <a:t>balance </a:t>
+            </a:r>
+            <a:r>
+              <a:rPr lang="en-US" sz="1000" dirty="0" smtClean="0"/>
+              <a:t>check</a:t>
+            </a:r>
+            <a:endParaRPr lang="en-US" sz="1000" dirty="0"/>
+          </a:p>
+        </p:txBody>
+      </p:sp>
+      <p:sp>
+        <p:nvSpPr>
+          <p:cNvPr id="17" name="Pfeil nach unten 16"/>
+          <p:cNvSpPr/>
+          <p:nvPr/>
+        </p:nvSpPr>
+        <p:spPr>
+          <a:xfrm rot="18900000" flipH="1">
+            <a:off x="2726904" y="686533"/>
+            <a:ext cx="187262" cy="193135"/>
+          </a:xfrm>
+          <a:prstGeom prst="downArrow">
             <a:avLst/>
           </a:prstGeom>
         </p:spPr>
@@ -3557,34 +4593,22 @@
           <a:lstStyle/>
           <a:p>
             <a:pPr algn="ctr"/>
-            <a:r>
-              <a:rPr lang="en-US" sz="1600" dirty="0" smtClean="0"/>
-              <a:t>Convert entries to appropriate </a:t>
-            </a:r>
-            <a:r>
-              <a:rPr lang="en-US" sz="1600" dirty="0" err="1" smtClean="0"/>
-              <a:t>BioPAX</a:t>
-            </a:r>
-            <a:r>
-              <a:rPr lang="en-US" sz="1600" dirty="0" smtClean="0"/>
-              <a:t> elements</a:t>
-            </a:r>
-            <a:endParaRPr lang="en-US" sz="1600" dirty="0"/>
-          </a:p>
-        </p:txBody>
-      </p:sp>
-      <p:sp>
-        <p:nvSpPr>
-          <p:cNvPr id="5" name="Rechteck 4"/>
-          <p:cNvSpPr/>
-          <p:nvPr/>
-        </p:nvSpPr>
-        <p:spPr>
-          <a:xfrm>
-            <a:off x="5508104" y="1484784"/>
-            <a:ext cx="1944216" cy="648072"/>
-          </a:xfrm>
-          <a:prstGeom prst="rect">
+            <a:endParaRPr lang="de-DE"/>
+          </a:p>
+        </p:txBody>
+      </p:sp>
+      <p:sp>
+        <p:nvSpPr>
+          <p:cNvPr id="18" name="Pfeil nach unten 17"/>
+          <p:cNvSpPr/>
+          <p:nvPr/>
+        </p:nvSpPr>
+        <p:spPr>
+          <a:xfrm rot="2700000">
+            <a:off x="3953359" y="680834"/>
+            <a:ext cx="187262" cy="193135"/>
+          </a:xfrm>
+          <a:prstGeom prst="downArrow">
             <a:avLst/>
           </a:prstGeom>
         </p:spPr>
@@ -3609,26 +4633,22 @@
           <a:lstStyle/>
           <a:p>
             <a:pPr algn="ctr"/>
-            <a:r>
-              <a:rPr lang="en-US" sz="1600" dirty="0" smtClean="0"/>
-              <a:t>Convert entries to species with SBO terms</a:t>
-            </a:r>
-            <a:endParaRPr lang="en-US" sz="1600" dirty="0"/>
-          </a:p>
-        </p:txBody>
-      </p:sp>
-      <p:sp>
-        <p:nvSpPr>
-          <p:cNvPr id="6" name="Rechteck 5"/>
-          <p:cNvSpPr/>
-          <p:nvPr/>
-        </p:nvSpPr>
-        <p:spPr>
-          <a:xfrm>
-            <a:off x="899592" y="5661248"/>
-            <a:ext cx="1944216" cy="648072"/>
-          </a:xfrm>
-          <a:prstGeom prst="rect">
+            <a:endParaRPr lang="de-DE"/>
+          </a:p>
+        </p:txBody>
+      </p:sp>
+      <p:sp>
+        <p:nvSpPr>
+          <p:cNvPr id="19" name="Pfeil nach unten 18"/>
+          <p:cNvSpPr/>
+          <p:nvPr/>
+        </p:nvSpPr>
+        <p:spPr>
+          <a:xfrm>
+            <a:off x="3326939" y="1428728"/>
+            <a:ext cx="187262" cy="193135"/>
+          </a:xfrm>
+          <a:prstGeom prst="downArrow">
             <a:avLst/>
           </a:prstGeom>
         </p:spPr>
@@ -3653,30 +4673,22 @@
           <a:lstStyle/>
           <a:p>
             <a:pPr algn="ctr"/>
-            <a:r>
-              <a:rPr lang="en-US" sz="1600" dirty="0" smtClean="0"/>
-              <a:t>Add cross-references and annotations to </a:t>
-            </a:r>
-            <a:r>
-              <a:rPr lang="en-US" sz="1600" dirty="0" smtClean="0"/>
-              <a:t>all objects</a:t>
-            </a:r>
-            <a:endParaRPr lang="en-US" sz="1600" dirty="0"/>
-          </a:p>
-        </p:txBody>
-      </p:sp>
-      <p:sp>
-        <p:nvSpPr>
-          <p:cNvPr id="7" name="Rechteck 6"/>
-          <p:cNvSpPr/>
-          <p:nvPr/>
-        </p:nvSpPr>
-        <p:spPr>
-          <a:xfrm>
-            <a:off x="5652120" y="5633864"/>
-            <a:ext cx="1944216" cy="648072"/>
-          </a:xfrm>
-          <a:prstGeom prst="rect">
+            <a:endParaRPr lang="de-DE"/>
+          </a:p>
+        </p:txBody>
+      </p:sp>
+      <p:sp>
+        <p:nvSpPr>
+          <p:cNvPr id="20" name="Pfeil nach unten 19"/>
+          <p:cNvSpPr/>
+          <p:nvPr/>
+        </p:nvSpPr>
+        <p:spPr>
+          <a:xfrm>
+            <a:off x="3340702" y="2214546"/>
+            <a:ext cx="187262" cy="193135"/>
+          </a:xfrm>
+          <a:prstGeom prst="downArrow">
             <a:avLst/>
           </a:prstGeom>
         </p:spPr>
@@ -3701,26 +4713,1470 @@
           <a:lstStyle/>
           <a:p>
             <a:pPr algn="ctr"/>
-            <a:r>
-              <a:rPr lang="en-US" sz="1600" dirty="0" smtClean="0"/>
+            <a:endParaRPr lang="de-DE"/>
+          </a:p>
+        </p:txBody>
+      </p:sp>
+      <p:sp>
+        <p:nvSpPr>
+          <p:cNvPr id="21" name="Abgerundetes Rechteck 20"/>
+          <p:cNvSpPr/>
+          <p:nvPr/>
+        </p:nvSpPr>
+        <p:spPr>
+          <a:xfrm>
+            <a:off x="571480" y="5103478"/>
+            <a:ext cx="1458162" cy="430400"/>
+          </a:xfrm>
+          <a:prstGeom prst="roundRect">
+            <a:avLst/>
+          </a:prstGeom>
+        </p:spPr>
+        <p:style>
+          <a:lnRef idx="0">
+            <a:schemeClr val="accent1"/>
+          </a:lnRef>
+          <a:fillRef idx="3">
+            <a:schemeClr val="accent1"/>
+          </a:fillRef>
+          <a:effectRef idx="3">
+            <a:schemeClr val="accent1"/>
+          </a:effectRef>
+          <a:fontRef idx="minor">
+            <a:schemeClr val="lt1"/>
+          </a:fontRef>
+        </p:style>
+        <p:txBody>
+          <a:bodyPr rtlCol="0" anchor="ctr"/>
+          <a:lstStyle/>
+          <a:p>
+            <a:pPr algn="ctr"/>
+            <a:r>
+              <a:rPr lang="en-US" sz="1000" b="1" dirty="0" smtClean="0">
+                <a:solidFill>
+                  <a:schemeClr val="lt1"/>
+                </a:solidFill>
+              </a:rPr>
+              <a:t>Convert entries to appropriate </a:t>
+            </a:r>
+            <a:r>
+              <a:rPr lang="en-US" sz="1000" b="1" dirty="0" err="1" smtClean="0">
+                <a:solidFill>
+                  <a:schemeClr val="lt1"/>
+                </a:solidFill>
+              </a:rPr>
+              <a:t>BioPAX</a:t>
+            </a:r>
+            <a:r>
+              <a:rPr lang="en-US" sz="1000" b="1" dirty="0" smtClean="0">
+                <a:solidFill>
+                  <a:schemeClr val="lt1"/>
+                </a:solidFill>
+              </a:rPr>
+              <a:t> elements</a:t>
+            </a:r>
+            <a:endParaRPr lang="en-US" sz="1000" b="1" dirty="0">
+              <a:solidFill>
+                <a:schemeClr val="lt1"/>
+              </a:solidFill>
+            </a:endParaRPr>
+          </a:p>
+        </p:txBody>
+      </p:sp>
+      <p:sp>
+        <p:nvSpPr>
+          <p:cNvPr id="22" name="Abgerundetes Rechteck 21"/>
+          <p:cNvSpPr/>
+          <p:nvPr/>
+        </p:nvSpPr>
+        <p:spPr>
+          <a:xfrm>
+            <a:off x="4828358" y="5199489"/>
+            <a:ext cx="1458162" cy="430400"/>
+          </a:xfrm>
+          <a:prstGeom prst="roundRect">
+            <a:avLst/>
+          </a:prstGeom>
+        </p:spPr>
+        <p:style>
+          <a:lnRef idx="0">
+            <a:schemeClr val="accent1"/>
+          </a:lnRef>
+          <a:fillRef idx="3">
+            <a:schemeClr val="accent1"/>
+          </a:fillRef>
+          <a:effectRef idx="3">
+            <a:schemeClr val="accent1"/>
+          </a:effectRef>
+          <a:fontRef idx="minor">
+            <a:schemeClr val="lt1"/>
+          </a:fontRef>
+        </p:style>
+        <p:txBody>
+          <a:bodyPr rtlCol="0" anchor="ctr"/>
+          <a:lstStyle/>
+          <a:p>
+            <a:pPr algn="ctr"/>
+            <a:r>
+              <a:rPr lang="en-US" sz="1000" b="1" dirty="0" smtClean="0">
+                <a:solidFill>
+                  <a:schemeClr val="lt1"/>
+                </a:solidFill>
+              </a:rPr>
+              <a:t>Convert entries to species with SBO terms</a:t>
+            </a:r>
+            <a:endParaRPr lang="en-US" sz="1000" b="1" dirty="0">
+              <a:solidFill>
+                <a:schemeClr val="lt1"/>
+              </a:solidFill>
+            </a:endParaRPr>
+          </a:p>
+        </p:txBody>
+      </p:sp>
+      <p:sp>
+        <p:nvSpPr>
+          <p:cNvPr id="23" name="Abgerundetes Rechteck 22"/>
+          <p:cNvSpPr/>
+          <p:nvPr/>
+        </p:nvSpPr>
+        <p:spPr>
+          <a:xfrm>
+            <a:off x="571480" y="7999252"/>
+            <a:ext cx="1458162" cy="430400"/>
+          </a:xfrm>
+          <a:prstGeom prst="roundRect">
+            <a:avLst/>
+          </a:prstGeom>
+        </p:spPr>
+        <p:style>
+          <a:lnRef idx="0">
+            <a:schemeClr val="accent1"/>
+          </a:lnRef>
+          <a:fillRef idx="3">
+            <a:schemeClr val="accent1"/>
+          </a:fillRef>
+          <a:effectRef idx="3">
+            <a:schemeClr val="accent1"/>
+          </a:effectRef>
+          <a:fontRef idx="minor">
+            <a:schemeClr val="lt1"/>
+          </a:fontRef>
+        </p:style>
+        <p:txBody>
+          <a:bodyPr rtlCol="0" anchor="ctr"/>
+          <a:lstStyle/>
+          <a:p>
+            <a:pPr algn="ctr"/>
+            <a:r>
+              <a:rPr lang="en-US" sz="1000" b="1" dirty="0" smtClean="0">
+                <a:solidFill>
+                  <a:schemeClr val="lt1"/>
+                </a:solidFill>
+              </a:rPr>
+              <a:t>Add cross-references and annotations to all objects</a:t>
+            </a:r>
+            <a:endParaRPr lang="en-US" sz="1000" b="1" dirty="0">
+              <a:solidFill>
+                <a:schemeClr val="lt1"/>
+              </a:solidFill>
+            </a:endParaRPr>
+          </a:p>
+        </p:txBody>
+      </p:sp>
+      <p:sp>
+        <p:nvSpPr>
+          <p:cNvPr id="24" name="Abgerundetes Rechteck 23"/>
+          <p:cNvSpPr/>
+          <p:nvPr/>
+        </p:nvSpPr>
+        <p:spPr>
+          <a:xfrm>
+            <a:off x="4828358" y="7962740"/>
+            <a:ext cx="1458162" cy="430400"/>
+          </a:xfrm>
+          <a:prstGeom prst="roundRect">
+            <a:avLst/>
+          </a:prstGeom>
+        </p:spPr>
+        <p:style>
+          <a:lnRef idx="0">
+            <a:schemeClr val="accent1"/>
+          </a:lnRef>
+          <a:fillRef idx="3">
+            <a:schemeClr val="accent1"/>
+          </a:fillRef>
+          <a:effectRef idx="3">
+            <a:schemeClr val="accent1"/>
+          </a:effectRef>
+          <a:fontRef idx="minor">
+            <a:schemeClr val="lt1"/>
+          </a:fontRef>
+        </p:style>
+        <p:txBody>
+          <a:bodyPr rtlCol="0" anchor="ctr"/>
+          <a:lstStyle/>
+          <a:p>
+            <a:pPr algn="ctr"/>
+            <a:r>
+              <a:rPr lang="en-US" sz="1000" b="1" dirty="0" smtClean="0">
+                <a:solidFill>
+                  <a:schemeClr val="lt1"/>
+                </a:solidFill>
+              </a:rPr>
               <a:t>Add MIRIAM URNs and annotations to all objects</a:t>
             </a:r>
-            <a:endParaRPr lang="en-US" sz="1600" dirty="0"/>
-          </a:p>
-        </p:txBody>
-      </p:sp>
-      <p:sp>
-        <p:nvSpPr>
-          <p:cNvPr id="8" name="Rechteck 7"/>
-          <p:cNvSpPr/>
-          <p:nvPr/>
-        </p:nvSpPr>
-        <p:spPr>
-          <a:xfrm>
-            <a:off x="3275856" y="692696"/>
-            <a:ext cx="1944216" cy="648072"/>
-          </a:xfrm>
-          <a:prstGeom prst="rect">
+            <a:endParaRPr lang="en-US" sz="1000" b="1" dirty="0">
+              <a:solidFill>
+                <a:schemeClr val="lt1"/>
+              </a:solidFill>
+            </a:endParaRPr>
+          </a:p>
+        </p:txBody>
+      </p:sp>
+      <p:sp>
+        <p:nvSpPr>
+          <p:cNvPr id="25" name="Abgerundetes Rechteck 24"/>
+          <p:cNvSpPr/>
+          <p:nvPr/>
+        </p:nvSpPr>
+        <p:spPr>
+          <a:xfrm>
+            <a:off x="2691489" y="5072066"/>
+            <a:ext cx="1458162" cy="430400"/>
+          </a:xfrm>
+          <a:prstGeom prst="roundRect">
+            <a:avLst/>
+          </a:prstGeom>
+        </p:spPr>
+        <p:style>
+          <a:lnRef idx="0">
+            <a:schemeClr val="accent1"/>
+          </a:lnRef>
+          <a:fillRef idx="3">
+            <a:schemeClr val="accent1"/>
+          </a:fillRef>
+          <a:effectRef idx="3">
+            <a:schemeClr val="accent1"/>
+          </a:effectRef>
+          <a:fontRef idx="minor">
+            <a:schemeClr val="lt1"/>
+          </a:fontRef>
+        </p:style>
+        <p:txBody>
+          <a:bodyPr rtlCol="0" anchor="ctr"/>
+          <a:lstStyle/>
+          <a:p>
+            <a:pPr algn="ctr"/>
+            <a:r>
+              <a:rPr lang="en-US" sz="1000" b="1" dirty="0" smtClean="0">
+                <a:solidFill>
+                  <a:schemeClr val="lt1"/>
+                </a:solidFill>
+              </a:rPr>
+              <a:t>Merge same entries</a:t>
+            </a:r>
+            <a:endParaRPr lang="en-US" sz="1000" b="1" dirty="0">
+              <a:solidFill>
+                <a:schemeClr val="lt1"/>
+              </a:solidFill>
+            </a:endParaRPr>
+          </a:p>
+        </p:txBody>
+      </p:sp>
+      <p:sp>
+        <p:nvSpPr>
+          <p:cNvPr id="26" name="Abgerundetes Rechteck 25"/>
+          <p:cNvSpPr/>
+          <p:nvPr/>
+        </p:nvSpPr>
+        <p:spPr>
+          <a:xfrm>
+            <a:off x="571480" y="5737300"/>
+            <a:ext cx="1458162" cy="430400"/>
+          </a:xfrm>
+          <a:prstGeom prst="roundRect">
+            <a:avLst/>
+          </a:prstGeom>
+        </p:spPr>
+        <p:style>
+          <a:lnRef idx="0">
+            <a:schemeClr val="accent1"/>
+          </a:lnRef>
+          <a:fillRef idx="3">
+            <a:schemeClr val="accent1"/>
+          </a:fillRef>
+          <a:effectRef idx="3">
+            <a:schemeClr val="accent1"/>
+          </a:effectRef>
+          <a:fontRef idx="minor">
+            <a:schemeClr val="lt1"/>
+          </a:fontRef>
+        </p:style>
+        <p:txBody>
+          <a:bodyPr rtlCol="0" anchor="ctr"/>
+          <a:lstStyle/>
+          <a:p>
+            <a:pPr algn="ctr"/>
+            <a:r>
+              <a:rPr lang="en-US" sz="1000" b="1" dirty="0" smtClean="0">
+                <a:solidFill>
+                  <a:schemeClr val="lt1"/>
+                </a:solidFill>
+              </a:rPr>
+              <a:t>Special instances and annotations for complexes and small  molecules</a:t>
+            </a:r>
+            <a:endParaRPr lang="en-US" sz="1000" b="1" dirty="0">
+              <a:solidFill>
+                <a:schemeClr val="lt1"/>
+              </a:solidFill>
+            </a:endParaRPr>
+          </a:p>
+        </p:txBody>
+      </p:sp>
+      <p:sp>
+        <p:nvSpPr>
+          <p:cNvPr id="27" name="Abgerundetes Rechteck 26"/>
+          <p:cNvSpPr/>
+          <p:nvPr/>
+        </p:nvSpPr>
+        <p:spPr>
+          <a:xfrm>
+            <a:off x="571480" y="6308805"/>
+            <a:ext cx="1458162" cy="430400"/>
+          </a:xfrm>
+          <a:prstGeom prst="roundRect">
+            <a:avLst/>
+          </a:prstGeom>
+        </p:spPr>
+        <p:style>
+          <a:lnRef idx="0">
+            <a:schemeClr val="accent1"/>
+          </a:lnRef>
+          <a:fillRef idx="3">
+            <a:schemeClr val="accent1"/>
+          </a:fillRef>
+          <a:effectRef idx="3">
+            <a:schemeClr val="accent1"/>
+          </a:effectRef>
+          <a:fontRef idx="minor">
+            <a:schemeClr val="lt1"/>
+          </a:fontRef>
+        </p:style>
+        <p:txBody>
+          <a:bodyPr rtlCol="0" anchor="ctr"/>
+          <a:lstStyle/>
+          <a:p>
+            <a:pPr algn="ctr"/>
+            <a:r>
+              <a:rPr lang="en-US" sz="1000" b="1" dirty="0" smtClean="0">
+                <a:solidFill>
+                  <a:schemeClr val="lt1"/>
+                </a:solidFill>
+              </a:rPr>
+              <a:t>Create Catalysis and Biochemical reactions</a:t>
+            </a:r>
+            <a:endParaRPr lang="en-US" sz="1000" b="1" dirty="0">
+              <a:solidFill>
+                <a:schemeClr val="lt1"/>
+              </a:solidFill>
+            </a:endParaRPr>
+          </a:p>
+        </p:txBody>
+      </p:sp>
+      <p:sp>
+        <p:nvSpPr>
+          <p:cNvPr id="28" name="Abgerundetes Rechteck 27"/>
+          <p:cNvSpPr/>
+          <p:nvPr/>
+        </p:nvSpPr>
+        <p:spPr>
+          <a:xfrm>
+            <a:off x="2691489" y="6858016"/>
+            <a:ext cx="1458162" cy="430400"/>
+          </a:xfrm>
+          <a:prstGeom prst="roundRect">
+            <a:avLst/>
+          </a:prstGeom>
+        </p:spPr>
+        <p:style>
+          <a:lnRef idx="0">
+            <a:schemeClr val="accent1"/>
+          </a:lnRef>
+          <a:fillRef idx="3">
+            <a:schemeClr val="accent1"/>
+          </a:fillRef>
+          <a:effectRef idx="3">
+            <a:schemeClr val="accent1"/>
+          </a:effectRef>
+          <a:fontRef idx="minor">
+            <a:schemeClr val="lt1"/>
+          </a:fontRef>
+        </p:style>
+        <p:txBody>
+          <a:bodyPr rtlCol="0" anchor="ctr"/>
+          <a:lstStyle/>
+          <a:p>
+            <a:pPr algn="ctr"/>
+            <a:r>
+              <a:rPr lang="en-US" sz="1000" b="1" dirty="0" smtClean="0">
+                <a:solidFill>
+                  <a:schemeClr val="lt1"/>
+                </a:solidFill>
+              </a:rPr>
+              <a:t>Add Stoichiometry</a:t>
+            </a:r>
+            <a:endParaRPr lang="en-US" sz="1000" b="1" dirty="0">
+              <a:solidFill>
+                <a:schemeClr val="lt1"/>
+              </a:solidFill>
+            </a:endParaRPr>
+          </a:p>
+        </p:txBody>
+      </p:sp>
+      <p:sp>
+        <p:nvSpPr>
+          <p:cNvPr id="29" name="Abgerundetes Rechteck 28"/>
+          <p:cNvSpPr/>
+          <p:nvPr/>
+        </p:nvSpPr>
+        <p:spPr>
+          <a:xfrm>
+            <a:off x="571480" y="7373536"/>
+            <a:ext cx="1458162" cy="430400"/>
+          </a:xfrm>
+          <a:prstGeom prst="roundRect">
+            <a:avLst/>
+          </a:prstGeom>
+        </p:spPr>
+        <p:style>
+          <a:lnRef idx="0">
+            <a:schemeClr val="accent1"/>
+          </a:lnRef>
+          <a:fillRef idx="3">
+            <a:schemeClr val="accent1"/>
+          </a:fillRef>
+          <a:effectRef idx="3">
+            <a:schemeClr val="accent1"/>
+          </a:effectRef>
+          <a:fontRef idx="minor">
+            <a:schemeClr val="lt1"/>
+          </a:fontRef>
+        </p:style>
+        <p:txBody>
+          <a:bodyPr rtlCol="0" anchor="ctr"/>
+          <a:lstStyle/>
+          <a:p>
+            <a:pPr algn="ctr"/>
+            <a:r>
+              <a:rPr lang="en-US" sz="1000" b="1" dirty="0" smtClean="0">
+                <a:solidFill>
+                  <a:schemeClr val="lt1"/>
+                </a:solidFill>
+              </a:rPr>
+              <a:t>Add relations</a:t>
+            </a:r>
+            <a:endParaRPr lang="en-US" sz="1000" b="1" dirty="0">
+              <a:solidFill>
+                <a:schemeClr val="lt1"/>
+              </a:solidFill>
+            </a:endParaRPr>
+          </a:p>
+        </p:txBody>
+      </p:sp>
+      <p:sp>
+        <p:nvSpPr>
+          <p:cNvPr id="30" name="Abgerundetes Rechteck 29"/>
+          <p:cNvSpPr/>
+          <p:nvPr/>
+        </p:nvSpPr>
+        <p:spPr>
+          <a:xfrm>
+            <a:off x="4828358" y="5929322"/>
+            <a:ext cx="1458162" cy="430400"/>
+          </a:xfrm>
+          <a:prstGeom prst="roundRect">
+            <a:avLst/>
+          </a:prstGeom>
+        </p:spPr>
+        <p:style>
+          <a:lnRef idx="0">
+            <a:schemeClr val="accent1"/>
+          </a:lnRef>
+          <a:fillRef idx="3">
+            <a:schemeClr val="accent1"/>
+          </a:fillRef>
+          <a:effectRef idx="3">
+            <a:schemeClr val="accent1"/>
+          </a:effectRef>
+          <a:fontRef idx="minor">
+            <a:schemeClr val="lt1"/>
+          </a:fontRef>
+        </p:style>
+        <p:txBody>
+          <a:bodyPr rtlCol="0" anchor="ctr"/>
+          <a:lstStyle/>
+          <a:p>
+            <a:pPr algn="ctr"/>
+            <a:r>
+              <a:rPr lang="en-US" sz="1000" b="1" dirty="0" smtClean="0">
+                <a:solidFill>
+                  <a:schemeClr val="lt1"/>
+                </a:solidFill>
+              </a:rPr>
+              <a:t>Convert Groups using the groups extension</a:t>
+            </a:r>
+            <a:endParaRPr lang="en-US" sz="1000" b="1" dirty="0">
+              <a:solidFill>
+                <a:schemeClr val="lt1"/>
+              </a:solidFill>
+            </a:endParaRPr>
+          </a:p>
+        </p:txBody>
+      </p:sp>
+      <p:sp>
+        <p:nvSpPr>
+          <p:cNvPr id="31" name="Abgerundetes Rechteck 30"/>
+          <p:cNvSpPr/>
+          <p:nvPr/>
+        </p:nvSpPr>
+        <p:spPr>
+          <a:xfrm>
+            <a:off x="4828358" y="6500826"/>
+            <a:ext cx="1458162" cy="430400"/>
+          </a:xfrm>
+          <a:prstGeom prst="roundRect">
+            <a:avLst/>
+          </a:prstGeom>
+        </p:spPr>
+        <p:style>
+          <a:lnRef idx="0">
+            <a:schemeClr val="accent1"/>
+          </a:lnRef>
+          <a:fillRef idx="3">
+            <a:schemeClr val="accent1"/>
+          </a:fillRef>
+          <a:effectRef idx="3">
+            <a:schemeClr val="accent1"/>
+          </a:effectRef>
+          <a:fontRef idx="minor">
+            <a:schemeClr val="lt1"/>
+          </a:fontRef>
+        </p:style>
+        <p:txBody>
+          <a:bodyPr rtlCol="0" anchor="ctr"/>
+          <a:lstStyle/>
+          <a:p>
+            <a:pPr algn="ctr"/>
+            <a:r>
+              <a:rPr lang="en-US" sz="1000" b="1" dirty="0" smtClean="0">
+                <a:solidFill>
+                  <a:schemeClr val="lt1"/>
+                </a:solidFill>
+              </a:rPr>
+              <a:t>Create Reactions</a:t>
+            </a:r>
+          </a:p>
+        </p:txBody>
+      </p:sp>
+      <p:sp>
+        <p:nvSpPr>
+          <p:cNvPr id="32" name="Abgerundetes Rechteck 31"/>
+          <p:cNvSpPr/>
+          <p:nvPr/>
+        </p:nvSpPr>
+        <p:spPr>
+          <a:xfrm>
+            <a:off x="4828358" y="7303870"/>
+            <a:ext cx="1458162" cy="430400"/>
+          </a:xfrm>
+          <a:prstGeom prst="roundRect">
+            <a:avLst/>
+          </a:prstGeom>
+        </p:spPr>
+        <p:style>
+          <a:lnRef idx="0">
+            <a:schemeClr val="accent1"/>
+          </a:lnRef>
+          <a:fillRef idx="3">
+            <a:schemeClr val="accent1"/>
+          </a:fillRef>
+          <a:effectRef idx="3">
+            <a:schemeClr val="accent1"/>
+          </a:effectRef>
+          <a:fontRef idx="minor">
+            <a:schemeClr val="lt1"/>
+          </a:fontRef>
+        </p:style>
+        <p:txBody>
+          <a:bodyPr rtlCol="0" anchor="ctr"/>
+          <a:lstStyle/>
+          <a:p>
+            <a:pPr algn="ctr"/>
+            <a:r>
+              <a:rPr lang="en-US" sz="1000" b="1" dirty="0" smtClean="0">
+                <a:solidFill>
+                  <a:schemeClr val="lt1"/>
+                </a:solidFill>
+              </a:rPr>
+              <a:t>Add relations as qualitative model transitions</a:t>
+            </a:r>
+            <a:endParaRPr lang="en-US" sz="1000" b="1" dirty="0">
+              <a:solidFill>
+                <a:schemeClr val="lt1"/>
+              </a:solidFill>
+            </a:endParaRPr>
+          </a:p>
+        </p:txBody>
+      </p:sp>
+    </p:spTree>
+  </p:cSld>
+  <p:clrMapOvr>
+    <a:masterClrMapping/>
+  </p:clrMapOvr>
+</p:sld>
+</file>
+
+<file path=ppt/slides/slide4.xml><?xml version="1.0" encoding="utf-8"?>
+<p:sld xmlns:a="http://schemas.openxmlformats.org/drawingml/2006/main" xmlns:r="http://schemas.openxmlformats.org/officeDocument/2006/relationships" xmlns:p="http://schemas.openxmlformats.org/presentationml/2006/main">
+  <p:cSld>
+    <p:spTree>
+      <p:nvGrpSpPr>
+        <p:cNvPr id="1" name=""/>
+        <p:cNvGrpSpPr/>
+        <p:nvPr/>
+      </p:nvGrpSpPr>
+      <p:grpSpPr>
+        <a:xfrm>
+          <a:off x="0" y="0"/>
+          <a:ext cx="0" cy="0"/>
+          <a:chOff x="0" y="0"/>
+          <a:chExt cx="0" cy="0"/>
+        </a:xfrm>
+      </p:grpSpPr>
+      <p:sp>
+        <p:nvSpPr>
+          <p:cNvPr id="37" name="Abgerundetes Rechteck 36"/>
+          <p:cNvSpPr/>
+          <p:nvPr/>
+        </p:nvSpPr>
+        <p:spPr>
+          <a:xfrm>
+            <a:off x="3511148" y="5286380"/>
+            <a:ext cx="3204000" cy="3673686"/>
+          </a:xfrm>
+          <a:prstGeom prst="roundRect">
+            <a:avLst>
+              <a:gd name="adj" fmla="val 9455"/>
+            </a:avLst>
+          </a:prstGeom>
+          <a:ln w="38100"/>
+        </p:spPr>
+        <p:style>
+          <a:lnRef idx="2">
+            <a:schemeClr val="accent3"/>
+          </a:lnRef>
+          <a:fillRef idx="1">
+            <a:schemeClr val="lt1"/>
+          </a:fillRef>
+          <a:effectRef idx="0">
+            <a:schemeClr val="accent3"/>
+          </a:effectRef>
+          <a:fontRef idx="minor">
+            <a:schemeClr val="dk1"/>
+          </a:fontRef>
+        </p:style>
+        <p:txBody>
+          <a:bodyPr vert="horz" rtlCol="0" anchor="t"/>
+          <a:lstStyle/>
+          <a:p>
+            <a:endParaRPr lang="de-DE" b="1" dirty="0" smtClean="0">
+              <a:solidFill>
+                <a:schemeClr val="accent3"/>
+              </a:solidFill>
+            </a:endParaRPr>
+          </a:p>
+          <a:p>
+            <a:endParaRPr lang="de-DE" b="1" dirty="0" smtClean="0">
+              <a:solidFill>
+                <a:schemeClr val="accent3"/>
+              </a:solidFill>
+            </a:endParaRPr>
+          </a:p>
+          <a:p>
+            <a:endParaRPr lang="de-DE" b="1" dirty="0" smtClean="0">
+              <a:solidFill>
+                <a:schemeClr val="accent3"/>
+              </a:solidFill>
+            </a:endParaRPr>
+          </a:p>
+          <a:p>
+            <a:endParaRPr lang="de-DE" b="1" dirty="0" smtClean="0">
+              <a:solidFill>
+                <a:schemeClr val="accent3"/>
+              </a:solidFill>
+            </a:endParaRPr>
+          </a:p>
+          <a:p>
+            <a:endParaRPr lang="de-DE" b="1" dirty="0" smtClean="0">
+              <a:solidFill>
+                <a:schemeClr val="accent3"/>
+              </a:solidFill>
+            </a:endParaRPr>
+          </a:p>
+          <a:p>
+            <a:endParaRPr lang="de-DE" b="1" dirty="0" smtClean="0">
+              <a:solidFill>
+                <a:schemeClr val="accent3"/>
+              </a:solidFill>
+            </a:endParaRPr>
+          </a:p>
+          <a:p>
+            <a:endParaRPr lang="de-DE" b="1" dirty="0" smtClean="0">
+              <a:solidFill>
+                <a:schemeClr val="accent3"/>
+              </a:solidFill>
+            </a:endParaRPr>
+          </a:p>
+          <a:p>
+            <a:endParaRPr lang="de-DE" b="1" dirty="0" smtClean="0">
+              <a:solidFill>
+                <a:schemeClr val="accent3"/>
+              </a:solidFill>
+            </a:endParaRPr>
+          </a:p>
+          <a:p>
+            <a:endParaRPr lang="de-DE" b="1" dirty="0" smtClean="0">
+              <a:solidFill>
+                <a:schemeClr val="accent3"/>
+              </a:solidFill>
+            </a:endParaRPr>
+          </a:p>
+          <a:p>
+            <a:endParaRPr lang="de-DE" b="1" dirty="0" smtClean="0">
+              <a:solidFill>
+                <a:schemeClr val="accent3"/>
+              </a:solidFill>
+            </a:endParaRPr>
+          </a:p>
+          <a:p>
+            <a:endParaRPr lang="de-DE" sz="2400" b="1" dirty="0" smtClean="0">
+              <a:solidFill>
+                <a:schemeClr val="accent3"/>
+              </a:solidFill>
+            </a:endParaRPr>
+          </a:p>
+          <a:p>
+            <a:pPr algn="r"/>
+            <a:endParaRPr lang="de-DE" sz="800" b="1" dirty="0" smtClean="0">
+              <a:solidFill>
+                <a:schemeClr val="accent3"/>
+              </a:solidFill>
+            </a:endParaRPr>
+          </a:p>
+          <a:p>
+            <a:pPr algn="r"/>
+            <a:r>
+              <a:rPr lang="de-DE" sz="1400" b="1" dirty="0" smtClean="0">
+                <a:solidFill>
+                  <a:schemeClr val="accent3"/>
+                </a:solidFill>
+              </a:rPr>
+              <a:t>SBML </a:t>
+            </a:r>
+            <a:r>
+              <a:rPr lang="de-DE" sz="1400" b="1" dirty="0" err="1" smtClean="0">
+                <a:solidFill>
+                  <a:schemeClr val="accent3"/>
+                </a:solidFill>
+              </a:rPr>
+              <a:t>conversion</a:t>
+            </a:r>
+            <a:endParaRPr lang="de-DE" sz="1400" b="1" dirty="0">
+              <a:solidFill>
+                <a:schemeClr val="accent3"/>
+              </a:solidFill>
+            </a:endParaRPr>
+          </a:p>
+        </p:txBody>
+      </p:sp>
+      <p:sp>
+        <p:nvSpPr>
+          <p:cNvPr id="35" name="Abgerundetes Rechteck 34"/>
+          <p:cNvSpPr/>
+          <p:nvPr/>
+        </p:nvSpPr>
+        <p:spPr>
+          <a:xfrm>
+            <a:off x="142852" y="5286380"/>
+            <a:ext cx="3204000" cy="3673686"/>
+          </a:xfrm>
+          <a:prstGeom prst="roundRect">
+            <a:avLst>
+              <a:gd name="adj" fmla="val 9455"/>
+            </a:avLst>
+          </a:prstGeom>
+          <a:ln w="38100"/>
+        </p:spPr>
+        <p:style>
+          <a:lnRef idx="2">
+            <a:schemeClr val="accent1"/>
+          </a:lnRef>
+          <a:fillRef idx="1">
+            <a:schemeClr val="lt1"/>
+          </a:fillRef>
+          <a:effectRef idx="0">
+            <a:schemeClr val="accent1"/>
+          </a:effectRef>
+          <a:fontRef idx="minor">
+            <a:schemeClr val="dk1"/>
+          </a:fontRef>
+        </p:style>
+        <p:txBody>
+          <a:bodyPr vert="horz" rtlCol="0" anchor="t"/>
+          <a:lstStyle/>
+          <a:p>
+            <a:endParaRPr lang="de-DE" b="1" dirty="0" smtClean="0"/>
+          </a:p>
+          <a:p>
+            <a:endParaRPr lang="de-DE" b="1" dirty="0" smtClean="0"/>
+          </a:p>
+          <a:p>
+            <a:endParaRPr lang="de-DE" b="1" dirty="0" smtClean="0"/>
+          </a:p>
+          <a:p>
+            <a:endParaRPr lang="de-DE" b="1" dirty="0" smtClean="0"/>
+          </a:p>
+          <a:p>
+            <a:endParaRPr lang="de-DE" b="1" dirty="0" smtClean="0"/>
+          </a:p>
+          <a:p>
+            <a:endParaRPr lang="de-DE" b="1" dirty="0" smtClean="0"/>
+          </a:p>
+          <a:p>
+            <a:endParaRPr lang="de-DE" b="1" dirty="0" smtClean="0"/>
+          </a:p>
+          <a:p>
+            <a:endParaRPr lang="de-DE" b="1" dirty="0" smtClean="0"/>
+          </a:p>
+          <a:p>
+            <a:endParaRPr lang="de-DE" b="1" dirty="0" smtClean="0"/>
+          </a:p>
+          <a:p>
+            <a:endParaRPr lang="de-DE" b="1" dirty="0" smtClean="0"/>
+          </a:p>
+          <a:p>
+            <a:endParaRPr lang="de-DE" sz="1100" b="1" dirty="0" smtClean="0"/>
+          </a:p>
+          <a:p>
+            <a:endParaRPr lang="de-DE" sz="2000" b="1" dirty="0" smtClean="0"/>
+          </a:p>
+          <a:p>
+            <a:r>
+              <a:rPr lang="de-DE" sz="1400" b="1" dirty="0" err="1" smtClean="0">
+                <a:solidFill>
+                  <a:schemeClr val="accent1"/>
+                </a:solidFill>
+              </a:rPr>
+              <a:t>BioPAX</a:t>
+            </a:r>
+            <a:r>
+              <a:rPr lang="de-DE" sz="1400" b="1" dirty="0" smtClean="0">
+                <a:solidFill>
+                  <a:schemeClr val="accent1"/>
+                </a:solidFill>
+              </a:rPr>
+              <a:t> </a:t>
+            </a:r>
+            <a:r>
+              <a:rPr lang="de-DE" sz="1400" b="1" dirty="0" err="1" smtClean="0">
+                <a:solidFill>
+                  <a:schemeClr val="accent1"/>
+                </a:solidFill>
+              </a:rPr>
+              <a:t>conversion</a:t>
+            </a:r>
+            <a:endParaRPr lang="de-DE" sz="1400" b="1" dirty="0">
+              <a:solidFill>
+                <a:schemeClr val="accent1"/>
+              </a:solidFill>
+            </a:endParaRPr>
+          </a:p>
+        </p:txBody>
+      </p:sp>
+      <p:sp>
+        <p:nvSpPr>
+          <p:cNvPr id="33" name="Abgerundetes Rechteck 32"/>
+          <p:cNvSpPr/>
+          <p:nvPr/>
+        </p:nvSpPr>
+        <p:spPr>
+          <a:xfrm>
+            <a:off x="1643050" y="71406"/>
+            <a:ext cx="3571900" cy="4714908"/>
+          </a:xfrm>
+          <a:prstGeom prst="roundRect">
+            <a:avLst>
+              <a:gd name="adj" fmla="val 9455"/>
+            </a:avLst>
+          </a:prstGeom>
+          <a:ln w="38100"/>
+        </p:spPr>
+        <p:style>
+          <a:lnRef idx="2">
+            <a:schemeClr val="accent2"/>
+          </a:lnRef>
+          <a:fillRef idx="1">
+            <a:schemeClr val="lt1"/>
+          </a:fillRef>
+          <a:effectRef idx="0">
+            <a:schemeClr val="accent2"/>
+          </a:effectRef>
+          <a:fontRef idx="minor">
+            <a:schemeClr val="dk1"/>
+          </a:fontRef>
+        </p:style>
+        <p:txBody>
+          <a:bodyPr vert="horz" rtlCol="0" anchor="t"/>
+          <a:lstStyle/>
+          <a:p>
+            <a:r>
+              <a:rPr lang="de-DE" sz="1400" b="1" dirty="0" err="1" smtClean="0">
+                <a:solidFill>
+                  <a:schemeClr val="accent2"/>
+                </a:solidFill>
+              </a:rPr>
+              <a:t>Preprocessing</a:t>
+            </a:r>
+            <a:endParaRPr lang="de-DE" sz="1400" b="1" dirty="0">
+              <a:solidFill>
+                <a:schemeClr val="accent2"/>
+              </a:solidFill>
+            </a:endParaRPr>
+          </a:p>
+        </p:txBody>
+      </p:sp>
+      <p:sp>
+        <p:nvSpPr>
+          <p:cNvPr id="4" name="Abgerundetes Rechteck 3"/>
+          <p:cNvSpPr/>
+          <p:nvPr/>
+        </p:nvSpPr>
+        <p:spPr>
+          <a:xfrm>
+            <a:off x="2340570" y="2643174"/>
+            <a:ext cx="2160000" cy="2071702"/>
+          </a:xfrm>
+          <a:prstGeom prst="roundRect">
+            <a:avLst/>
+          </a:prstGeom>
+        </p:spPr>
+        <p:style>
+          <a:lnRef idx="0">
+            <a:schemeClr val="accent1"/>
+          </a:lnRef>
+          <a:fillRef idx="3">
+            <a:schemeClr val="accent1"/>
+          </a:fillRef>
+          <a:effectRef idx="3">
+            <a:schemeClr val="accent1"/>
+          </a:effectRef>
+          <a:fontRef idx="minor">
+            <a:schemeClr val="lt1"/>
+          </a:fontRef>
+        </p:style>
+        <p:txBody>
+          <a:bodyPr rtlCol="0" anchor="ctr"/>
+          <a:lstStyle/>
+          <a:p>
+            <a:r>
+              <a:rPr lang="en-US" sz="1000" b="1" dirty="0" smtClean="0">
+                <a:solidFill>
+                  <a:schemeClr val="lt1"/>
+                </a:solidFill>
+              </a:rPr>
+              <a:t>Process reactions</a:t>
+            </a:r>
+            <a:endParaRPr lang="en-US" sz="1000" dirty="0" smtClean="0">
+              <a:solidFill>
+                <a:schemeClr val="lt1"/>
+              </a:solidFill>
+            </a:endParaRPr>
+          </a:p>
+          <a:p>
+            <a:endParaRPr lang="en-US" sz="1100" dirty="0" smtClean="0">
+              <a:solidFill>
+                <a:schemeClr val="lt1"/>
+              </a:solidFill>
+            </a:endParaRPr>
+          </a:p>
+          <a:p>
+            <a:endParaRPr lang="en-US" sz="1000" dirty="0" smtClean="0"/>
+          </a:p>
+          <a:p>
+            <a:endParaRPr lang="en-US" sz="1000" dirty="0" smtClean="0">
+              <a:solidFill>
+                <a:schemeClr val="lt1"/>
+              </a:solidFill>
+            </a:endParaRPr>
+          </a:p>
+          <a:p>
+            <a:endParaRPr lang="en-US" sz="1000" dirty="0" smtClean="0"/>
+          </a:p>
+          <a:p>
+            <a:endParaRPr lang="en-US" sz="1000" dirty="0" smtClean="0">
+              <a:solidFill>
+                <a:schemeClr val="lt1"/>
+              </a:solidFill>
+            </a:endParaRPr>
+          </a:p>
+          <a:p>
+            <a:endParaRPr lang="en-US" sz="1000" dirty="0" smtClean="0"/>
+          </a:p>
+          <a:p>
+            <a:endParaRPr lang="en-US" sz="1000" dirty="0" smtClean="0">
+              <a:solidFill>
+                <a:schemeClr val="lt1"/>
+              </a:solidFill>
+            </a:endParaRPr>
+          </a:p>
+          <a:p>
+            <a:endParaRPr lang="en-US" sz="1000" dirty="0" smtClean="0"/>
+          </a:p>
+          <a:p>
+            <a:endParaRPr lang="en-US" sz="1000" dirty="0" smtClean="0">
+              <a:solidFill>
+                <a:schemeClr val="lt1"/>
+              </a:solidFill>
+            </a:endParaRPr>
+          </a:p>
+          <a:p>
+            <a:endParaRPr lang="en-US" sz="1000" dirty="0" smtClean="0"/>
+          </a:p>
+          <a:p>
+            <a:endParaRPr lang="en-US" sz="1000" dirty="0">
+              <a:solidFill>
+                <a:schemeClr val="lt1"/>
+              </a:solidFill>
+            </a:endParaRPr>
+          </a:p>
+        </p:txBody>
+      </p:sp>
+      <p:sp>
+        <p:nvSpPr>
+          <p:cNvPr id="5" name="Abgerundetes Rechteck 4"/>
+          <p:cNvSpPr/>
+          <p:nvPr/>
+        </p:nvSpPr>
+        <p:spPr>
+          <a:xfrm>
+            <a:off x="3471863" y="500034"/>
+            <a:ext cx="1476000" cy="396000"/>
+          </a:xfrm>
+          <a:prstGeom prst="roundRect">
+            <a:avLst/>
+          </a:prstGeom>
+        </p:spPr>
+        <p:style>
+          <a:lnRef idx="0">
+            <a:schemeClr val="accent1"/>
+          </a:lnRef>
+          <a:fillRef idx="3">
+            <a:schemeClr val="accent1"/>
+          </a:fillRef>
+          <a:effectRef idx="3">
+            <a:schemeClr val="accent1"/>
+          </a:effectRef>
+          <a:fontRef idx="minor">
+            <a:schemeClr val="lt1"/>
+          </a:fontRef>
+        </p:style>
+        <p:txBody>
+          <a:bodyPr rtlCol="0" anchor="ctr"/>
+          <a:lstStyle/>
+          <a:p>
+            <a:pPr algn="ctr"/>
+            <a:r>
+              <a:rPr lang="en-US" sz="1000" b="1" dirty="0" smtClean="0">
+                <a:solidFill>
+                  <a:schemeClr val="lt1"/>
+                </a:solidFill>
+              </a:rPr>
+              <a:t>KGML file</a:t>
+            </a:r>
+            <a:endParaRPr lang="en-US" sz="1000" b="1" dirty="0">
+              <a:solidFill>
+                <a:schemeClr val="lt1"/>
+              </a:solidFill>
+            </a:endParaRPr>
+          </a:p>
+        </p:txBody>
+      </p:sp>
+      <p:sp>
+        <p:nvSpPr>
+          <p:cNvPr id="6" name="Abgerundetes Rechteck 5"/>
+          <p:cNvSpPr/>
+          <p:nvPr/>
+        </p:nvSpPr>
+        <p:spPr>
+          <a:xfrm>
+            <a:off x="1900227" y="500034"/>
+            <a:ext cx="1476000" cy="396000"/>
+          </a:xfrm>
+          <a:prstGeom prst="roundRect">
+            <a:avLst/>
+          </a:prstGeom>
+        </p:spPr>
+        <p:style>
+          <a:lnRef idx="0">
+            <a:schemeClr val="accent1"/>
+          </a:lnRef>
+          <a:fillRef idx="3">
+            <a:schemeClr val="accent1"/>
+          </a:fillRef>
+          <a:effectRef idx="3">
+            <a:schemeClr val="accent1"/>
+          </a:effectRef>
+          <a:fontRef idx="minor">
+            <a:schemeClr val="lt1"/>
+          </a:fontRef>
+        </p:style>
+        <p:txBody>
+          <a:bodyPr rtlCol="0" anchor="ctr"/>
+          <a:lstStyle/>
+          <a:p>
+            <a:pPr algn="ctr"/>
+            <a:r>
+              <a:rPr lang="en-US" sz="1000" b="1" dirty="0" smtClean="0">
+                <a:solidFill>
+                  <a:schemeClr val="lt1"/>
+                </a:solidFill>
+              </a:rPr>
+              <a:t>Other KEGG databases </a:t>
+            </a:r>
+            <a:r>
+              <a:rPr lang="en-US" sz="1000" dirty="0" smtClean="0">
+                <a:solidFill>
+                  <a:schemeClr val="lt1"/>
+                </a:solidFill>
+              </a:rPr>
+              <a:t>(via API)</a:t>
+            </a:r>
+            <a:endParaRPr lang="en-US" sz="1000" dirty="0">
+              <a:solidFill>
+                <a:schemeClr val="lt1"/>
+              </a:solidFill>
+            </a:endParaRPr>
+          </a:p>
+        </p:txBody>
+      </p:sp>
+      <p:sp>
+        <p:nvSpPr>
+          <p:cNvPr id="7" name="Abgerundetes Rechteck 6"/>
+          <p:cNvSpPr/>
+          <p:nvPr/>
+        </p:nvSpPr>
+        <p:spPr>
+          <a:xfrm>
+            <a:off x="2340570" y="1214414"/>
+            <a:ext cx="2160000" cy="396000"/>
+          </a:xfrm>
+          <a:prstGeom prst="roundRect">
+            <a:avLst/>
+          </a:prstGeom>
+        </p:spPr>
+        <p:style>
+          <a:lnRef idx="0">
+            <a:schemeClr val="accent1"/>
+          </a:lnRef>
+          <a:fillRef idx="3">
+            <a:schemeClr val="accent1"/>
+          </a:fillRef>
+          <a:effectRef idx="3">
+            <a:schemeClr val="accent1"/>
+          </a:effectRef>
+          <a:fontRef idx="minor">
+            <a:schemeClr val="lt1"/>
+          </a:fontRef>
+        </p:style>
+        <p:txBody>
+          <a:bodyPr rtlCol="0" anchor="ctr"/>
+          <a:lstStyle/>
+          <a:p>
+            <a:pPr algn="ctr"/>
+            <a:r>
+              <a:rPr lang="en-US" sz="1000" b="1" dirty="0" smtClean="0">
+                <a:solidFill>
+                  <a:schemeClr val="lt1"/>
+                </a:solidFill>
+              </a:rPr>
+              <a:t>Organism-specific removal of </a:t>
+            </a:r>
+            <a:endParaRPr lang="en-US" sz="1000" b="1" dirty="0" smtClean="0">
+              <a:solidFill>
+                <a:schemeClr val="lt1"/>
+              </a:solidFill>
+            </a:endParaRPr>
+          </a:p>
+          <a:p>
+            <a:pPr algn="ctr"/>
+            <a:r>
+              <a:rPr lang="en-US" sz="1000" b="1" dirty="0" smtClean="0">
+                <a:solidFill>
+                  <a:schemeClr val="lt1"/>
+                </a:solidFill>
+              </a:rPr>
+              <a:t>non-physical entities</a:t>
+            </a:r>
+            <a:endParaRPr lang="en-US" sz="1000" b="1" dirty="0">
+              <a:solidFill>
+                <a:schemeClr val="lt1"/>
+              </a:solidFill>
+            </a:endParaRPr>
+          </a:p>
+        </p:txBody>
+      </p:sp>
+      <p:sp>
+        <p:nvSpPr>
+          <p:cNvPr id="8" name="Abgerundetes Rechteck 7"/>
+          <p:cNvSpPr/>
+          <p:nvPr/>
+        </p:nvSpPr>
+        <p:spPr>
+          <a:xfrm>
+            <a:off x="2340570" y="1928794"/>
+            <a:ext cx="2160000" cy="396000"/>
+          </a:xfrm>
+          <a:prstGeom prst="roundRect">
+            <a:avLst/>
+          </a:prstGeom>
+        </p:spPr>
+        <p:style>
+          <a:lnRef idx="0">
+            <a:schemeClr val="accent1"/>
+          </a:lnRef>
+          <a:fillRef idx="3">
+            <a:schemeClr val="accent1"/>
+          </a:fillRef>
+          <a:effectRef idx="3">
+            <a:schemeClr val="accent1"/>
+          </a:effectRef>
+          <a:fontRef idx="minor">
+            <a:schemeClr val="lt1"/>
+          </a:fontRef>
+        </p:style>
+        <p:txBody>
+          <a:bodyPr rtlCol="0" anchor="ctr"/>
+          <a:lstStyle/>
+          <a:p>
+            <a:pPr algn="ctr"/>
+            <a:r>
+              <a:rPr lang="en-US" sz="1000" b="1" dirty="0" smtClean="0">
+                <a:solidFill>
+                  <a:schemeClr val="lt1"/>
+                </a:solidFill>
+              </a:rPr>
+              <a:t>Remove orphans</a:t>
+            </a:r>
+            <a:endParaRPr lang="en-US" sz="1000" b="1" dirty="0">
+              <a:solidFill>
+                <a:schemeClr val="lt1"/>
+              </a:solidFill>
+            </a:endParaRPr>
+          </a:p>
+        </p:txBody>
+      </p:sp>
+      <p:sp>
+        <p:nvSpPr>
+          <p:cNvPr id="10" name="Abgerundetes Rechteck 9"/>
+          <p:cNvSpPr/>
+          <p:nvPr/>
+        </p:nvSpPr>
+        <p:spPr>
+          <a:xfrm>
+            <a:off x="2626322" y="2946657"/>
+            <a:ext cx="1672476" cy="363523"/>
+          </a:xfrm>
+          <a:prstGeom prst="roundRect">
+            <a:avLst/>
+          </a:prstGeom>
+        </p:spPr>
+        <p:style>
+          <a:lnRef idx="1">
+            <a:schemeClr val="accent1"/>
+          </a:lnRef>
+          <a:fillRef idx="2">
+            <a:schemeClr val="accent1"/>
+          </a:fillRef>
+          <a:effectRef idx="1">
+            <a:schemeClr val="accent1"/>
+          </a:effectRef>
+          <a:fontRef idx="minor">
+            <a:schemeClr val="dk1"/>
+          </a:fontRef>
+        </p:style>
+        <p:txBody>
+          <a:bodyPr rtlCol="0" anchor="ctr"/>
+          <a:lstStyle/>
+          <a:p>
+            <a:pPr algn="ctr"/>
+            <a:r>
+              <a:rPr lang="en-US" sz="1000" dirty="0" smtClean="0"/>
+              <a:t>Unbundle reactions</a:t>
+            </a:r>
+            <a:endParaRPr lang="en-US" sz="1000" dirty="0"/>
+          </a:p>
+        </p:txBody>
+      </p:sp>
+      <p:sp>
+        <p:nvSpPr>
+          <p:cNvPr id="11" name="Abgerundetes Rechteck 10"/>
+          <p:cNvSpPr/>
+          <p:nvPr/>
+        </p:nvSpPr>
+        <p:spPr>
+          <a:xfrm>
+            <a:off x="2626322" y="3357554"/>
+            <a:ext cx="1672476" cy="363523"/>
+          </a:xfrm>
+          <a:prstGeom prst="roundRect">
+            <a:avLst/>
+          </a:prstGeom>
+        </p:spPr>
+        <p:style>
+          <a:lnRef idx="1">
+            <a:schemeClr val="accent1"/>
+          </a:lnRef>
+          <a:fillRef idx="2">
+            <a:schemeClr val="accent1"/>
+          </a:fillRef>
+          <a:effectRef idx="1">
+            <a:schemeClr val="accent1"/>
+          </a:effectRef>
+          <a:fontRef idx="minor">
+            <a:schemeClr val="dk1"/>
+          </a:fontRef>
+        </p:style>
+        <p:txBody>
+          <a:bodyPr rtlCol="0" anchor="ctr"/>
+          <a:lstStyle/>
+          <a:p>
+            <a:pPr algn="ctr"/>
+            <a:r>
+              <a:rPr lang="en-US" sz="1000" dirty="0" smtClean="0"/>
+              <a:t>Add missing participants and catalysts</a:t>
+            </a:r>
+            <a:endParaRPr lang="en-US" sz="1000" dirty="0"/>
+          </a:p>
+        </p:txBody>
+      </p:sp>
+      <p:sp>
+        <p:nvSpPr>
+          <p:cNvPr id="12" name="Abgerundetes Rechteck 11"/>
+          <p:cNvSpPr/>
+          <p:nvPr/>
+        </p:nvSpPr>
+        <p:spPr>
+          <a:xfrm>
+            <a:off x="2626322" y="3786182"/>
+            <a:ext cx="1672476" cy="363523"/>
+          </a:xfrm>
+          <a:prstGeom prst="roundRect">
+            <a:avLst/>
+          </a:prstGeom>
+        </p:spPr>
+        <p:style>
+          <a:lnRef idx="1">
+            <a:schemeClr val="accent1"/>
+          </a:lnRef>
+          <a:fillRef idx="2">
+            <a:schemeClr val="accent1"/>
+          </a:fillRef>
+          <a:effectRef idx="1">
+            <a:schemeClr val="accent1"/>
+          </a:effectRef>
+          <a:fontRef idx="minor">
+            <a:schemeClr val="dk1"/>
+          </a:fontRef>
+        </p:style>
+        <p:txBody>
+          <a:bodyPr rtlCol="0" anchor="ctr"/>
+          <a:lstStyle/>
+          <a:p>
+            <a:pPr algn="ctr"/>
+            <a:r>
+              <a:rPr lang="en-US" sz="1000" dirty="0" smtClean="0"/>
+              <a:t>Add stoichiometry</a:t>
+            </a:r>
+            <a:endParaRPr lang="en-US" sz="1000" dirty="0"/>
+          </a:p>
+        </p:txBody>
+      </p:sp>
+      <p:sp>
+        <p:nvSpPr>
+          <p:cNvPr id="13" name="Abgerundetes Rechteck 12"/>
+          <p:cNvSpPr/>
+          <p:nvPr/>
+        </p:nvSpPr>
+        <p:spPr>
+          <a:xfrm>
+            <a:off x="2626322" y="4208477"/>
+            <a:ext cx="1672476" cy="363523"/>
+          </a:xfrm>
+          <a:prstGeom prst="roundRect">
+            <a:avLst/>
+          </a:prstGeom>
+        </p:spPr>
+        <p:style>
+          <a:lnRef idx="1">
+            <a:schemeClr val="accent1"/>
+          </a:lnRef>
+          <a:fillRef idx="2">
+            <a:schemeClr val="accent1"/>
+          </a:fillRef>
+          <a:effectRef idx="1">
+            <a:schemeClr val="accent1"/>
+          </a:effectRef>
+          <a:fontRef idx="minor">
+            <a:schemeClr val="dk1"/>
+          </a:fontRef>
+        </p:style>
+        <p:txBody>
+          <a:bodyPr rtlCol="0" anchor="ctr"/>
+          <a:lstStyle/>
+          <a:p>
+            <a:pPr algn="ctr"/>
+            <a:r>
+              <a:rPr lang="en-US" sz="1000" dirty="0" smtClean="0"/>
+              <a:t>Perform atom </a:t>
+            </a:r>
+            <a:endParaRPr lang="en-US" sz="1000" dirty="0" smtClean="0"/>
+          </a:p>
+          <a:p>
+            <a:pPr algn="ctr"/>
+            <a:r>
+              <a:rPr lang="en-US" sz="1000" dirty="0" smtClean="0"/>
+              <a:t>balance </a:t>
+            </a:r>
+            <a:r>
+              <a:rPr lang="en-US" sz="1000" dirty="0" smtClean="0"/>
+              <a:t>check</a:t>
+            </a:r>
+            <a:endParaRPr lang="en-US" sz="1000" dirty="0"/>
+          </a:p>
+        </p:txBody>
+      </p:sp>
+      <p:sp>
+        <p:nvSpPr>
+          <p:cNvPr id="17" name="Pfeil nach unten 16"/>
+          <p:cNvSpPr/>
+          <p:nvPr/>
+        </p:nvSpPr>
+        <p:spPr>
+          <a:xfrm rot="18900000" flipH="1">
+            <a:off x="2726904" y="966586"/>
+            <a:ext cx="187262" cy="193135"/>
+          </a:xfrm>
+          <a:prstGeom prst="downArrow">
             <a:avLst/>
           </a:prstGeom>
         </p:spPr>
@@ -3745,26 +6201,22 @@
           <a:lstStyle/>
           <a:p>
             <a:pPr algn="ctr"/>
-            <a:r>
-              <a:rPr lang="en-US" sz="1600" dirty="0" smtClean="0"/>
-              <a:t>Merge same entries</a:t>
-            </a:r>
-            <a:endParaRPr lang="en-US" sz="1600" dirty="0"/>
-          </a:p>
-        </p:txBody>
-      </p:sp>
-      <p:sp>
-        <p:nvSpPr>
-          <p:cNvPr id="9" name="Rechteck 8"/>
-          <p:cNvSpPr/>
-          <p:nvPr/>
-        </p:nvSpPr>
-        <p:spPr>
-          <a:xfrm>
-            <a:off x="899592" y="2276872"/>
-            <a:ext cx="1944216" cy="648072"/>
-          </a:xfrm>
-          <a:prstGeom prst="rect">
+            <a:endParaRPr lang="de-DE"/>
+          </a:p>
+        </p:txBody>
+      </p:sp>
+      <p:sp>
+        <p:nvSpPr>
+          <p:cNvPr id="18" name="Pfeil nach unten 17"/>
+          <p:cNvSpPr/>
+          <p:nvPr/>
+        </p:nvSpPr>
+        <p:spPr>
+          <a:xfrm rot="2700000">
+            <a:off x="3953359" y="966586"/>
+            <a:ext cx="187262" cy="193135"/>
+          </a:xfrm>
+          <a:prstGeom prst="downArrow">
             <a:avLst/>
           </a:prstGeom>
         </p:spPr>
@@ -3789,26 +6241,22 @@
           <a:lstStyle/>
           <a:p>
             <a:pPr algn="ctr"/>
-            <a:r>
-              <a:rPr lang="en-US" sz="1200" dirty="0" smtClean="0"/>
-              <a:t>Special instances and annotations for complexes and small  molecules</a:t>
-            </a:r>
-            <a:endParaRPr lang="en-US" sz="1200" dirty="0"/>
-          </a:p>
-        </p:txBody>
-      </p:sp>
-      <p:sp>
-        <p:nvSpPr>
-          <p:cNvPr id="10" name="Rechteck 9"/>
-          <p:cNvSpPr/>
-          <p:nvPr/>
-        </p:nvSpPr>
-        <p:spPr>
-          <a:xfrm>
-            <a:off x="899592" y="3068960"/>
-            <a:ext cx="1944216" cy="648072"/>
-          </a:xfrm>
-          <a:prstGeom prst="rect">
+            <a:endParaRPr lang="de-DE"/>
+          </a:p>
+        </p:txBody>
+      </p:sp>
+      <p:sp>
+        <p:nvSpPr>
+          <p:cNvPr id="19" name="Pfeil nach unten 18"/>
+          <p:cNvSpPr/>
+          <p:nvPr/>
+        </p:nvSpPr>
+        <p:spPr>
+          <a:xfrm>
+            <a:off x="3326939" y="1664221"/>
+            <a:ext cx="187262" cy="193135"/>
+          </a:xfrm>
+          <a:prstGeom prst="downArrow">
             <a:avLst/>
           </a:prstGeom>
         </p:spPr>
@@ -3833,26 +6281,22 @@
           <a:lstStyle/>
           <a:p>
             <a:pPr algn="ctr"/>
-            <a:r>
-              <a:rPr lang="en-US" sz="1200" dirty="0" smtClean="0"/>
-              <a:t>Create Catalysis and Biochemical reactions</a:t>
-            </a:r>
-            <a:endParaRPr lang="en-US" sz="1200" dirty="0"/>
-          </a:p>
-        </p:txBody>
-      </p:sp>
-      <p:sp>
-        <p:nvSpPr>
-          <p:cNvPr id="11" name="Rechteck 10"/>
-          <p:cNvSpPr/>
-          <p:nvPr/>
-        </p:nvSpPr>
-        <p:spPr>
-          <a:xfrm>
-            <a:off x="3419872" y="4077072"/>
-            <a:ext cx="1944216" cy="648072"/>
-          </a:xfrm>
-          <a:prstGeom prst="rect">
+            <a:endParaRPr lang="de-DE"/>
+          </a:p>
+        </p:txBody>
+      </p:sp>
+      <p:sp>
+        <p:nvSpPr>
+          <p:cNvPr id="20" name="Pfeil nach unten 19"/>
+          <p:cNvSpPr/>
+          <p:nvPr/>
+        </p:nvSpPr>
+        <p:spPr>
+          <a:xfrm>
+            <a:off x="3330192" y="2378601"/>
+            <a:ext cx="187262" cy="193135"/>
+          </a:xfrm>
+          <a:prstGeom prst="downArrow">
             <a:avLst/>
           </a:prstGeom>
         </p:spPr>
@@ -3877,26 +6321,615 @@
           <a:lstStyle/>
           <a:p>
             <a:pPr algn="ctr"/>
-            <a:r>
-              <a:rPr lang="en-US" sz="1200" dirty="0" smtClean="0"/>
-              <a:t>Add Stoichiometry</a:t>
-            </a:r>
-            <a:endParaRPr lang="en-US" sz="1200" dirty="0"/>
-          </a:p>
-        </p:txBody>
-      </p:sp>
-      <p:sp>
-        <p:nvSpPr>
-          <p:cNvPr id="12" name="Rechteck 11"/>
-          <p:cNvSpPr/>
-          <p:nvPr/>
-        </p:nvSpPr>
-        <p:spPr>
-          <a:xfrm>
-            <a:off x="899592" y="4725144"/>
-            <a:ext cx="1944216" cy="648072"/>
-          </a:xfrm>
-          <a:prstGeom prst="rect">
+            <a:endParaRPr lang="de-DE"/>
+          </a:p>
+        </p:txBody>
+      </p:sp>
+      <p:sp>
+        <p:nvSpPr>
+          <p:cNvPr id="21" name="Abgerundetes Rechteck 20"/>
+          <p:cNvSpPr/>
+          <p:nvPr/>
+        </p:nvSpPr>
+        <p:spPr>
+          <a:xfrm>
+            <a:off x="428604" y="5530334"/>
+            <a:ext cx="2088000" cy="360000"/>
+          </a:xfrm>
+          <a:prstGeom prst="roundRect">
+            <a:avLst/>
+          </a:prstGeom>
+        </p:spPr>
+        <p:style>
+          <a:lnRef idx="0">
+            <a:schemeClr val="accent1"/>
+          </a:lnRef>
+          <a:fillRef idx="3">
+            <a:schemeClr val="accent1"/>
+          </a:fillRef>
+          <a:effectRef idx="3">
+            <a:schemeClr val="accent1"/>
+          </a:effectRef>
+          <a:fontRef idx="minor">
+            <a:schemeClr val="lt1"/>
+          </a:fontRef>
+        </p:style>
+        <p:txBody>
+          <a:bodyPr rtlCol="0" anchor="ctr"/>
+          <a:lstStyle/>
+          <a:p>
+            <a:pPr algn="ctr"/>
+            <a:r>
+              <a:rPr lang="en-US" sz="1000" b="1" dirty="0" smtClean="0">
+                <a:solidFill>
+                  <a:schemeClr val="lt1"/>
+                </a:solidFill>
+              </a:rPr>
+              <a:t>Convert entries to appropriate </a:t>
+            </a:r>
+            <a:r>
+              <a:rPr lang="en-US" sz="1000" b="1" dirty="0" err="1" smtClean="0">
+                <a:solidFill>
+                  <a:schemeClr val="lt1"/>
+                </a:solidFill>
+              </a:rPr>
+              <a:t>BioPAX</a:t>
+            </a:r>
+            <a:r>
+              <a:rPr lang="en-US" sz="1000" b="1" dirty="0" smtClean="0">
+                <a:solidFill>
+                  <a:schemeClr val="lt1"/>
+                </a:solidFill>
+              </a:rPr>
+              <a:t> elements</a:t>
+            </a:r>
+            <a:endParaRPr lang="en-US" sz="1000" b="1" dirty="0">
+              <a:solidFill>
+                <a:schemeClr val="lt1"/>
+              </a:solidFill>
+            </a:endParaRPr>
+          </a:p>
+        </p:txBody>
+      </p:sp>
+      <p:sp>
+        <p:nvSpPr>
+          <p:cNvPr id="22" name="Abgerundetes Rechteck 21"/>
+          <p:cNvSpPr/>
+          <p:nvPr/>
+        </p:nvSpPr>
+        <p:spPr>
+          <a:xfrm>
+            <a:off x="4413397" y="5527282"/>
+            <a:ext cx="2016000" cy="360000"/>
+          </a:xfrm>
+          <a:prstGeom prst="roundRect">
+            <a:avLst/>
+          </a:prstGeom>
+        </p:spPr>
+        <p:style>
+          <a:lnRef idx="0">
+            <a:schemeClr val="accent1"/>
+          </a:lnRef>
+          <a:fillRef idx="3">
+            <a:schemeClr val="accent1"/>
+          </a:fillRef>
+          <a:effectRef idx="3">
+            <a:schemeClr val="accent1"/>
+          </a:effectRef>
+          <a:fontRef idx="minor">
+            <a:schemeClr val="lt1"/>
+          </a:fontRef>
+        </p:style>
+        <p:txBody>
+          <a:bodyPr rtlCol="0" anchor="ctr"/>
+          <a:lstStyle/>
+          <a:p>
+            <a:pPr algn="ctr"/>
+            <a:r>
+              <a:rPr lang="en-US" sz="1000" b="1" dirty="0" smtClean="0">
+                <a:solidFill>
+                  <a:schemeClr val="lt1"/>
+                </a:solidFill>
+              </a:rPr>
+              <a:t>Convert entries to species with SBO terms</a:t>
+            </a:r>
+            <a:endParaRPr lang="en-US" sz="1000" b="1" dirty="0">
+              <a:solidFill>
+                <a:schemeClr val="lt1"/>
+              </a:solidFill>
+            </a:endParaRPr>
+          </a:p>
+        </p:txBody>
+      </p:sp>
+      <p:sp>
+        <p:nvSpPr>
+          <p:cNvPr id="23" name="Abgerundetes Rechteck 22"/>
+          <p:cNvSpPr/>
+          <p:nvPr/>
+        </p:nvSpPr>
+        <p:spPr>
+          <a:xfrm>
+            <a:off x="428604" y="8212528"/>
+            <a:ext cx="2088000" cy="360000"/>
+          </a:xfrm>
+          <a:prstGeom prst="roundRect">
+            <a:avLst/>
+          </a:prstGeom>
+        </p:spPr>
+        <p:style>
+          <a:lnRef idx="0">
+            <a:schemeClr val="accent1"/>
+          </a:lnRef>
+          <a:fillRef idx="3">
+            <a:schemeClr val="accent1"/>
+          </a:fillRef>
+          <a:effectRef idx="3">
+            <a:schemeClr val="accent1"/>
+          </a:effectRef>
+          <a:fontRef idx="minor">
+            <a:schemeClr val="lt1"/>
+          </a:fontRef>
+        </p:style>
+        <p:txBody>
+          <a:bodyPr rtlCol="0" anchor="ctr"/>
+          <a:lstStyle/>
+          <a:p>
+            <a:pPr algn="ctr"/>
+            <a:r>
+              <a:rPr lang="en-US" sz="1000" b="1" dirty="0" smtClean="0">
+                <a:solidFill>
+                  <a:schemeClr val="lt1"/>
+                </a:solidFill>
+              </a:rPr>
+              <a:t>Add cross-references and annotations to all objects</a:t>
+            </a:r>
+            <a:endParaRPr lang="en-US" sz="1000" b="1" dirty="0">
+              <a:solidFill>
+                <a:schemeClr val="lt1"/>
+              </a:solidFill>
+            </a:endParaRPr>
+          </a:p>
+        </p:txBody>
+      </p:sp>
+      <p:sp>
+        <p:nvSpPr>
+          <p:cNvPr id="24" name="Abgerundetes Rechteck 23"/>
+          <p:cNvSpPr/>
+          <p:nvPr/>
+        </p:nvSpPr>
+        <p:spPr>
+          <a:xfrm>
+            <a:off x="4413397" y="8212528"/>
+            <a:ext cx="2016000" cy="360000"/>
+          </a:xfrm>
+          <a:prstGeom prst="roundRect">
+            <a:avLst/>
+          </a:prstGeom>
+        </p:spPr>
+        <p:style>
+          <a:lnRef idx="0">
+            <a:schemeClr val="accent1"/>
+          </a:lnRef>
+          <a:fillRef idx="3">
+            <a:schemeClr val="accent1"/>
+          </a:fillRef>
+          <a:effectRef idx="3">
+            <a:schemeClr val="accent1"/>
+          </a:effectRef>
+          <a:fontRef idx="minor">
+            <a:schemeClr val="lt1"/>
+          </a:fontRef>
+        </p:style>
+        <p:txBody>
+          <a:bodyPr rtlCol="0" anchor="ctr"/>
+          <a:lstStyle/>
+          <a:p>
+            <a:pPr algn="ctr"/>
+            <a:r>
+              <a:rPr lang="en-US" sz="1000" b="1" dirty="0" smtClean="0">
+                <a:solidFill>
+                  <a:schemeClr val="lt1"/>
+                </a:solidFill>
+              </a:rPr>
+              <a:t>Add MIRIAM URNs and annotations to all objects</a:t>
+            </a:r>
+            <a:endParaRPr lang="en-US" sz="1000" b="1" dirty="0">
+              <a:solidFill>
+                <a:schemeClr val="lt1"/>
+              </a:solidFill>
+            </a:endParaRPr>
+          </a:p>
+        </p:txBody>
+      </p:sp>
+      <p:sp>
+        <p:nvSpPr>
+          <p:cNvPr id="25" name="Abgerundetes Rechteck 24"/>
+          <p:cNvSpPr/>
+          <p:nvPr/>
+        </p:nvSpPr>
+        <p:spPr>
+          <a:xfrm>
+            <a:off x="2878516" y="5111974"/>
+            <a:ext cx="1054793" cy="428628"/>
+          </a:xfrm>
+          <a:prstGeom prst="roundRect">
+            <a:avLst/>
+          </a:prstGeom>
+        </p:spPr>
+        <p:style>
+          <a:lnRef idx="0">
+            <a:schemeClr val="accent1"/>
+          </a:lnRef>
+          <a:fillRef idx="3">
+            <a:schemeClr val="accent1"/>
+          </a:fillRef>
+          <a:effectRef idx="3">
+            <a:schemeClr val="accent1"/>
+          </a:effectRef>
+          <a:fontRef idx="minor">
+            <a:schemeClr val="lt1"/>
+          </a:fontRef>
+        </p:style>
+        <p:txBody>
+          <a:bodyPr rtlCol="0" anchor="ctr"/>
+          <a:lstStyle/>
+          <a:p>
+            <a:pPr algn="ctr"/>
+            <a:r>
+              <a:rPr lang="en-US" sz="1000" b="1" dirty="0" smtClean="0">
+                <a:solidFill>
+                  <a:schemeClr val="lt1"/>
+                </a:solidFill>
+              </a:rPr>
+              <a:t>Merge same entries</a:t>
+            </a:r>
+            <a:endParaRPr lang="en-US" sz="1000" b="1" dirty="0">
+              <a:solidFill>
+                <a:schemeClr val="lt1"/>
+              </a:solidFill>
+            </a:endParaRPr>
+          </a:p>
+        </p:txBody>
+      </p:sp>
+      <p:sp>
+        <p:nvSpPr>
+          <p:cNvPr id="26" name="Abgerundetes Rechteck 25"/>
+          <p:cNvSpPr/>
+          <p:nvPr/>
+        </p:nvSpPr>
+        <p:spPr>
+          <a:xfrm>
+            <a:off x="428604" y="6164156"/>
+            <a:ext cx="2088000" cy="360000"/>
+          </a:xfrm>
+          <a:prstGeom prst="roundRect">
+            <a:avLst/>
+          </a:prstGeom>
+        </p:spPr>
+        <p:style>
+          <a:lnRef idx="0">
+            <a:schemeClr val="accent1"/>
+          </a:lnRef>
+          <a:fillRef idx="3">
+            <a:schemeClr val="accent1"/>
+          </a:fillRef>
+          <a:effectRef idx="3">
+            <a:schemeClr val="accent1"/>
+          </a:effectRef>
+          <a:fontRef idx="minor">
+            <a:schemeClr val="lt1"/>
+          </a:fontRef>
+        </p:style>
+        <p:txBody>
+          <a:bodyPr rtlCol="0" anchor="ctr"/>
+          <a:lstStyle/>
+          <a:p>
+            <a:pPr algn="ctr"/>
+            <a:r>
+              <a:rPr lang="en-US" sz="1000" b="1" dirty="0" smtClean="0">
+                <a:solidFill>
+                  <a:schemeClr val="lt1"/>
+                </a:solidFill>
+              </a:rPr>
+              <a:t>Special instances and annotations for complexes and small  </a:t>
+            </a:r>
+            <a:r>
+              <a:rPr lang="en-US" sz="1000" b="1" dirty="0" smtClean="0">
+                <a:solidFill>
+                  <a:schemeClr val="lt1"/>
+                </a:solidFill>
+              </a:rPr>
+              <a:t>molecules</a:t>
+            </a:r>
+            <a:endParaRPr lang="en-US" sz="1000" b="1" dirty="0">
+              <a:solidFill>
+                <a:schemeClr val="lt1"/>
+              </a:solidFill>
+            </a:endParaRPr>
+          </a:p>
+        </p:txBody>
+      </p:sp>
+      <p:sp>
+        <p:nvSpPr>
+          <p:cNvPr id="27" name="Abgerundetes Rechteck 26"/>
+          <p:cNvSpPr/>
+          <p:nvPr/>
+        </p:nvSpPr>
+        <p:spPr>
+          <a:xfrm>
+            <a:off x="428604" y="6807598"/>
+            <a:ext cx="2088000" cy="360000"/>
+          </a:xfrm>
+          <a:prstGeom prst="roundRect">
+            <a:avLst/>
+          </a:prstGeom>
+        </p:spPr>
+        <p:style>
+          <a:lnRef idx="0">
+            <a:schemeClr val="accent1"/>
+          </a:lnRef>
+          <a:fillRef idx="3">
+            <a:schemeClr val="accent1"/>
+          </a:fillRef>
+          <a:effectRef idx="3">
+            <a:schemeClr val="accent1"/>
+          </a:effectRef>
+          <a:fontRef idx="minor">
+            <a:schemeClr val="lt1"/>
+          </a:fontRef>
+        </p:style>
+        <p:txBody>
+          <a:bodyPr rtlCol="0" anchor="ctr"/>
+          <a:lstStyle/>
+          <a:p>
+            <a:pPr algn="ctr"/>
+            <a:r>
+              <a:rPr lang="en-US" sz="1000" b="1" dirty="0" smtClean="0">
+                <a:solidFill>
+                  <a:schemeClr val="lt1"/>
+                </a:solidFill>
+              </a:rPr>
+              <a:t>Create Catalysis and Biochemical reactions</a:t>
+            </a:r>
+            <a:endParaRPr lang="en-US" sz="1000" b="1" dirty="0">
+              <a:solidFill>
+                <a:schemeClr val="lt1"/>
+              </a:solidFill>
+            </a:endParaRPr>
+          </a:p>
+        </p:txBody>
+      </p:sp>
+      <p:sp>
+        <p:nvSpPr>
+          <p:cNvPr id="29" name="Abgerundetes Rechteck 28"/>
+          <p:cNvSpPr/>
+          <p:nvPr/>
+        </p:nvSpPr>
+        <p:spPr>
+          <a:xfrm>
+            <a:off x="412306" y="7569586"/>
+            <a:ext cx="2088000" cy="360000"/>
+          </a:xfrm>
+          <a:prstGeom prst="roundRect">
+            <a:avLst/>
+          </a:prstGeom>
+        </p:spPr>
+        <p:style>
+          <a:lnRef idx="0">
+            <a:schemeClr val="accent1"/>
+          </a:lnRef>
+          <a:fillRef idx="3">
+            <a:schemeClr val="accent1"/>
+          </a:fillRef>
+          <a:effectRef idx="3">
+            <a:schemeClr val="accent1"/>
+          </a:effectRef>
+          <a:fontRef idx="minor">
+            <a:schemeClr val="lt1"/>
+          </a:fontRef>
+        </p:style>
+        <p:txBody>
+          <a:bodyPr rtlCol="0" anchor="ctr"/>
+          <a:lstStyle/>
+          <a:p>
+            <a:pPr algn="ctr"/>
+            <a:r>
+              <a:rPr lang="en-US" sz="1000" b="1" dirty="0" smtClean="0">
+                <a:solidFill>
+                  <a:schemeClr val="lt1"/>
+                </a:solidFill>
+              </a:rPr>
+              <a:t>Add relations</a:t>
+            </a:r>
+            <a:endParaRPr lang="en-US" sz="1000" b="1" dirty="0">
+              <a:solidFill>
+                <a:schemeClr val="lt1"/>
+              </a:solidFill>
+            </a:endParaRPr>
+          </a:p>
+        </p:txBody>
+      </p:sp>
+      <p:sp>
+        <p:nvSpPr>
+          <p:cNvPr id="30" name="Abgerundetes Rechteck 29"/>
+          <p:cNvSpPr/>
+          <p:nvPr/>
+        </p:nvSpPr>
+        <p:spPr>
+          <a:xfrm>
+            <a:off x="4413397" y="6154146"/>
+            <a:ext cx="2016000" cy="360000"/>
+          </a:xfrm>
+          <a:prstGeom prst="roundRect">
+            <a:avLst/>
+          </a:prstGeom>
+        </p:spPr>
+        <p:style>
+          <a:lnRef idx="0">
+            <a:schemeClr val="accent1"/>
+          </a:lnRef>
+          <a:fillRef idx="3">
+            <a:schemeClr val="accent1"/>
+          </a:fillRef>
+          <a:effectRef idx="3">
+            <a:schemeClr val="accent1"/>
+          </a:effectRef>
+          <a:fontRef idx="minor">
+            <a:schemeClr val="lt1"/>
+          </a:fontRef>
+        </p:style>
+        <p:txBody>
+          <a:bodyPr rtlCol="0" anchor="ctr"/>
+          <a:lstStyle/>
+          <a:p>
+            <a:pPr algn="ctr"/>
+            <a:r>
+              <a:rPr lang="en-US" sz="1000" b="1" dirty="0" smtClean="0">
+                <a:solidFill>
+                  <a:schemeClr val="lt1"/>
+                </a:solidFill>
+              </a:rPr>
+              <a:t>Convert Groups using the </a:t>
+            </a:r>
+            <a:endParaRPr lang="en-US" sz="1000" b="1" dirty="0" smtClean="0">
+              <a:solidFill>
+                <a:schemeClr val="lt1"/>
+              </a:solidFill>
+            </a:endParaRPr>
+          </a:p>
+          <a:p>
+            <a:pPr algn="ctr"/>
+            <a:r>
+              <a:rPr lang="en-US" sz="1000" b="1" dirty="0" smtClean="0">
+                <a:solidFill>
+                  <a:schemeClr val="lt1"/>
+                </a:solidFill>
+              </a:rPr>
+              <a:t>groups </a:t>
+            </a:r>
+            <a:r>
+              <a:rPr lang="en-US" sz="1000" b="1" dirty="0" smtClean="0">
+                <a:solidFill>
+                  <a:schemeClr val="lt1"/>
+                </a:solidFill>
+              </a:rPr>
+              <a:t>extension</a:t>
+            </a:r>
+            <a:endParaRPr lang="en-US" sz="1000" b="1" dirty="0">
+              <a:solidFill>
+                <a:schemeClr val="lt1"/>
+              </a:solidFill>
+            </a:endParaRPr>
+          </a:p>
+        </p:txBody>
+      </p:sp>
+      <p:sp>
+        <p:nvSpPr>
+          <p:cNvPr id="31" name="Abgerundetes Rechteck 30"/>
+          <p:cNvSpPr/>
+          <p:nvPr/>
+        </p:nvSpPr>
+        <p:spPr>
+          <a:xfrm>
+            <a:off x="4413397" y="6807598"/>
+            <a:ext cx="2016000" cy="360000"/>
+          </a:xfrm>
+          <a:prstGeom prst="roundRect">
+            <a:avLst/>
+          </a:prstGeom>
+        </p:spPr>
+        <p:style>
+          <a:lnRef idx="0">
+            <a:schemeClr val="accent1"/>
+          </a:lnRef>
+          <a:fillRef idx="3">
+            <a:schemeClr val="accent1"/>
+          </a:fillRef>
+          <a:effectRef idx="3">
+            <a:schemeClr val="accent1"/>
+          </a:effectRef>
+          <a:fontRef idx="minor">
+            <a:schemeClr val="lt1"/>
+          </a:fontRef>
+        </p:style>
+        <p:txBody>
+          <a:bodyPr rtlCol="0" anchor="ctr"/>
+          <a:lstStyle/>
+          <a:p>
+            <a:pPr algn="ctr"/>
+            <a:r>
+              <a:rPr lang="en-US" sz="1000" b="1" dirty="0" smtClean="0">
+                <a:solidFill>
+                  <a:schemeClr val="lt1"/>
+                </a:solidFill>
+              </a:rPr>
+              <a:t>Create Reactions</a:t>
+            </a:r>
+          </a:p>
+        </p:txBody>
+      </p:sp>
+      <p:sp>
+        <p:nvSpPr>
+          <p:cNvPr id="32" name="Abgerundetes Rechteck 31"/>
+          <p:cNvSpPr/>
+          <p:nvPr/>
+        </p:nvSpPr>
+        <p:spPr>
+          <a:xfrm>
+            <a:off x="4413397" y="7572396"/>
+            <a:ext cx="2016000" cy="360000"/>
+          </a:xfrm>
+          <a:prstGeom prst="roundRect">
+            <a:avLst/>
+          </a:prstGeom>
+        </p:spPr>
+        <p:style>
+          <a:lnRef idx="0">
+            <a:schemeClr val="accent1"/>
+          </a:lnRef>
+          <a:fillRef idx="3">
+            <a:schemeClr val="accent1"/>
+          </a:fillRef>
+          <a:effectRef idx="3">
+            <a:schemeClr val="accent1"/>
+          </a:effectRef>
+          <a:fontRef idx="minor">
+            <a:schemeClr val="lt1"/>
+          </a:fontRef>
+        </p:style>
+        <p:txBody>
+          <a:bodyPr rtlCol="0" anchor="ctr"/>
+          <a:lstStyle/>
+          <a:p>
+            <a:pPr algn="ctr"/>
+            <a:r>
+              <a:rPr lang="en-US" sz="1000" b="1" dirty="0" smtClean="0">
+                <a:solidFill>
+                  <a:schemeClr val="lt1"/>
+                </a:solidFill>
+              </a:rPr>
+              <a:t>Add relations as qualitative model transitions</a:t>
+            </a:r>
+            <a:endParaRPr lang="en-US" sz="1000" b="1" dirty="0">
+              <a:solidFill>
+                <a:schemeClr val="lt1"/>
+              </a:solidFill>
+            </a:endParaRPr>
+          </a:p>
+        </p:txBody>
+      </p:sp>
+      <p:sp>
+        <p:nvSpPr>
+          <p:cNvPr id="34" name="Pfeil nach unten 33"/>
+          <p:cNvSpPr/>
+          <p:nvPr/>
+        </p:nvSpPr>
+        <p:spPr>
+          <a:xfrm>
+            <a:off x="3336542" y="4857752"/>
+            <a:ext cx="187262" cy="193135"/>
+          </a:xfrm>
+          <a:prstGeom prst="downArrow">
             <a:avLst/>
           </a:prstGeom>
         </p:spPr>
@@ -3921,26 +6954,22 @@
           <a:lstStyle/>
           <a:p>
             <a:pPr algn="ctr"/>
-            <a:r>
-              <a:rPr lang="en-US" sz="1200" dirty="0" smtClean="0"/>
-              <a:t>Add relations</a:t>
-            </a:r>
-            <a:endParaRPr lang="en-US" sz="1200" dirty="0"/>
-          </a:p>
-        </p:txBody>
-      </p:sp>
-      <p:sp>
-        <p:nvSpPr>
-          <p:cNvPr id="13" name="Rechteck 12"/>
-          <p:cNvSpPr/>
-          <p:nvPr/>
-        </p:nvSpPr>
-        <p:spPr>
-          <a:xfrm>
-            <a:off x="5508104" y="2420888"/>
-            <a:ext cx="1944216" cy="648072"/>
-          </a:xfrm>
-          <a:prstGeom prst="rect">
+            <a:endParaRPr lang="de-DE"/>
+          </a:p>
+        </p:txBody>
+      </p:sp>
+      <p:sp>
+        <p:nvSpPr>
+          <p:cNvPr id="38" name="Pfeil nach unten 37"/>
+          <p:cNvSpPr/>
+          <p:nvPr/>
+        </p:nvSpPr>
+        <p:spPr>
+          <a:xfrm>
+            <a:off x="1378973" y="7971626"/>
+            <a:ext cx="187262" cy="193135"/>
+          </a:xfrm>
+          <a:prstGeom prst="downArrow">
             <a:avLst/>
           </a:prstGeom>
         </p:spPr>
@@ -3965,26 +6994,22 @@
           <a:lstStyle/>
           <a:p>
             <a:pPr algn="ctr"/>
-            <a:r>
-              <a:rPr lang="en-US" sz="1200" dirty="0" smtClean="0"/>
-              <a:t>Convert Groups using the groups extension</a:t>
-            </a:r>
-            <a:endParaRPr lang="en-US" sz="1200" dirty="0"/>
-          </a:p>
-        </p:txBody>
-      </p:sp>
-      <p:sp>
-        <p:nvSpPr>
-          <p:cNvPr id="14" name="Rechteck 13"/>
-          <p:cNvSpPr/>
-          <p:nvPr/>
-        </p:nvSpPr>
-        <p:spPr>
-          <a:xfrm>
-            <a:off x="5508104" y="3212976"/>
-            <a:ext cx="1944216" cy="648072"/>
-          </a:xfrm>
-          <a:prstGeom prst="rect">
+            <a:endParaRPr lang="de-DE"/>
+          </a:p>
+        </p:txBody>
+      </p:sp>
+      <p:sp>
+        <p:nvSpPr>
+          <p:cNvPr id="39" name="Pfeil nach unten 38"/>
+          <p:cNvSpPr/>
+          <p:nvPr/>
+        </p:nvSpPr>
+        <p:spPr>
+          <a:xfrm>
+            <a:off x="1378973" y="6572264"/>
+            <a:ext cx="187262" cy="193135"/>
+          </a:xfrm>
+          <a:prstGeom prst="downArrow">
             <a:avLst/>
           </a:prstGeom>
         </p:spPr>
@@ -4009,25 +7034,22 @@
           <a:lstStyle/>
           <a:p>
             <a:pPr algn="ctr"/>
-            <a:r>
-              <a:rPr lang="en-US" sz="1200" dirty="0" smtClean="0"/>
-              <a:t>Create Reactions</a:t>
-            </a:r>
-          </a:p>
-        </p:txBody>
-      </p:sp>
-      <p:sp>
-        <p:nvSpPr>
-          <p:cNvPr id="15" name="Rechteck 14"/>
-          <p:cNvSpPr/>
-          <p:nvPr/>
-        </p:nvSpPr>
-        <p:spPr>
-          <a:xfrm>
-            <a:off x="5652120" y="4653136"/>
-            <a:ext cx="1944216" cy="648072"/>
-          </a:xfrm>
-          <a:prstGeom prst="rect">
+            <a:endParaRPr lang="de-DE"/>
+          </a:p>
+        </p:txBody>
+      </p:sp>
+      <p:sp>
+        <p:nvSpPr>
+          <p:cNvPr id="40" name="Pfeil nach unten 39"/>
+          <p:cNvSpPr/>
+          <p:nvPr/>
+        </p:nvSpPr>
+        <p:spPr>
+          <a:xfrm>
+            <a:off x="1378973" y="5929322"/>
+            <a:ext cx="187262" cy="193135"/>
+          </a:xfrm>
+          <a:prstGeom prst="downArrow">
             <a:avLst/>
           </a:prstGeom>
         </p:spPr>
@@ -4052,11 +7074,345 @@
           <a:lstStyle/>
           <a:p>
             <a:pPr algn="ctr"/>
-            <a:r>
-              <a:rPr lang="en-US" sz="1200" dirty="0" smtClean="0"/>
-              <a:t>Add relations as qualitative model transitions</a:t>
-            </a:r>
-            <a:endParaRPr lang="en-US" sz="1200" dirty="0"/>
+            <a:endParaRPr lang="de-DE"/>
+          </a:p>
+        </p:txBody>
+      </p:sp>
+      <p:sp>
+        <p:nvSpPr>
+          <p:cNvPr id="41" name="Pfeil nach unten 40"/>
+          <p:cNvSpPr/>
+          <p:nvPr/>
+        </p:nvSpPr>
+        <p:spPr>
+          <a:xfrm>
+            <a:off x="5327766" y="5929322"/>
+            <a:ext cx="187262" cy="193135"/>
+          </a:xfrm>
+          <a:prstGeom prst="downArrow">
+            <a:avLst/>
+          </a:prstGeom>
+        </p:spPr>
+        <p:style>
+          <a:lnRef idx="2">
+            <a:schemeClr val="accent1">
+              <a:shade val="50000"/>
+            </a:schemeClr>
+          </a:lnRef>
+          <a:fillRef idx="1">
+            <a:schemeClr val="accent1"/>
+          </a:fillRef>
+          <a:effectRef idx="0">
+            <a:schemeClr val="accent1"/>
+          </a:effectRef>
+          <a:fontRef idx="minor">
+            <a:schemeClr val="lt1"/>
+          </a:fontRef>
+        </p:style>
+        <p:txBody>
+          <a:bodyPr rtlCol="0" anchor="ctr"/>
+          <a:lstStyle/>
+          <a:p>
+            <a:pPr algn="ctr"/>
+            <a:endParaRPr lang="de-DE"/>
+          </a:p>
+        </p:txBody>
+      </p:sp>
+      <p:sp>
+        <p:nvSpPr>
+          <p:cNvPr id="42" name="Pfeil nach unten 41"/>
+          <p:cNvSpPr/>
+          <p:nvPr/>
+        </p:nvSpPr>
+        <p:spPr>
+          <a:xfrm>
+            <a:off x="5327766" y="6572264"/>
+            <a:ext cx="187262" cy="193135"/>
+          </a:xfrm>
+          <a:prstGeom prst="downArrow">
+            <a:avLst/>
+          </a:prstGeom>
+        </p:spPr>
+        <p:style>
+          <a:lnRef idx="2">
+            <a:schemeClr val="accent1">
+              <a:shade val="50000"/>
+            </a:schemeClr>
+          </a:lnRef>
+          <a:fillRef idx="1">
+            <a:schemeClr val="accent1"/>
+          </a:fillRef>
+          <a:effectRef idx="0">
+            <a:schemeClr val="accent1"/>
+          </a:effectRef>
+          <a:fontRef idx="minor">
+            <a:schemeClr val="lt1"/>
+          </a:fontRef>
+        </p:style>
+        <p:txBody>
+          <a:bodyPr rtlCol="0" anchor="ctr"/>
+          <a:lstStyle/>
+          <a:p>
+            <a:pPr algn="ctr"/>
+            <a:endParaRPr lang="de-DE"/>
+          </a:p>
+        </p:txBody>
+      </p:sp>
+      <p:sp>
+        <p:nvSpPr>
+          <p:cNvPr id="43" name="Pfeil nach unten 42"/>
+          <p:cNvSpPr/>
+          <p:nvPr/>
+        </p:nvSpPr>
+        <p:spPr>
+          <a:xfrm>
+            <a:off x="5327766" y="7971626"/>
+            <a:ext cx="187262" cy="193135"/>
+          </a:xfrm>
+          <a:prstGeom prst="downArrow">
+            <a:avLst/>
+          </a:prstGeom>
+        </p:spPr>
+        <p:style>
+          <a:lnRef idx="2">
+            <a:schemeClr val="accent1">
+              <a:shade val="50000"/>
+            </a:schemeClr>
+          </a:lnRef>
+          <a:fillRef idx="1">
+            <a:schemeClr val="accent1"/>
+          </a:fillRef>
+          <a:effectRef idx="0">
+            <a:schemeClr val="accent1"/>
+          </a:effectRef>
+          <a:fontRef idx="minor">
+            <a:schemeClr val="lt1"/>
+          </a:fontRef>
+        </p:style>
+        <p:txBody>
+          <a:bodyPr rtlCol="0" anchor="ctr"/>
+          <a:lstStyle/>
+          <a:p>
+            <a:pPr algn="ctr"/>
+            <a:endParaRPr lang="de-DE"/>
+          </a:p>
+        </p:txBody>
+      </p:sp>
+      <p:sp>
+        <p:nvSpPr>
+          <p:cNvPr id="44" name="Pfeil nach unten 43"/>
+          <p:cNvSpPr/>
+          <p:nvPr/>
+        </p:nvSpPr>
+        <p:spPr>
+          <a:xfrm rot="18900000" flipH="1">
+            <a:off x="4041364" y="5395741"/>
+            <a:ext cx="187262" cy="193135"/>
+          </a:xfrm>
+          <a:prstGeom prst="downArrow">
+            <a:avLst/>
+          </a:prstGeom>
+        </p:spPr>
+        <p:style>
+          <a:lnRef idx="2">
+            <a:schemeClr val="accent1">
+              <a:shade val="50000"/>
+            </a:schemeClr>
+          </a:lnRef>
+          <a:fillRef idx="1">
+            <a:schemeClr val="accent1"/>
+          </a:fillRef>
+          <a:effectRef idx="0">
+            <a:schemeClr val="accent1"/>
+          </a:effectRef>
+          <a:fontRef idx="minor">
+            <a:schemeClr val="lt1"/>
+          </a:fontRef>
+        </p:style>
+        <p:txBody>
+          <a:bodyPr rtlCol="0" anchor="ctr"/>
+          <a:lstStyle/>
+          <a:p>
+            <a:pPr algn="ctr"/>
+            <a:endParaRPr lang="de-DE"/>
+          </a:p>
+        </p:txBody>
+      </p:sp>
+      <p:sp>
+        <p:nvSpPr>
+          <p:cNvPr id="50" name="Nach links gekrümmter Pfeil 49"/>
+          <p:cNvSpPr/>
+          <p:nvPr/>
+        </p:nvSpPr>
+        <p:spPr>
+          <a:xfrm>
+            <a:off x="2571744" y="6929454"/>
+            <a:ext cx="500066" cy="928694"/>
+          </a:xfrm>
+          <a:prstGeom prst="curvedLeftArrow">
+            <a:avLst/>
+          </a:prstGeom>
+        </p:spPr>
+        <p:style>
+          <a:lnRef idx="2">
+            <a:schemeClr val="accent1">
+              <a:shade val="50000"/>
+            </a:schemeClr>
+          </a:lnRef>
+          <a:fillRef idx="1">
+            <a:schemeClr val="accent1"/>
+          </a:fillRef>
+          <a:effectRef idx="0">
+            <a:schemeClr val="accent1"/>
+          </a:effectRef>
+          <a:fontRef idx="minor">
+            <a:schemeClr val="lt1"/>
+          </a:fontRef>
+        </p:style>
+        <p:txBody>
+          <a:bodyPr rtlCol="0" anchor="ctr"/>
+          <a:lstStyle/>
+          <a:p>
+            <a:pPr algn="ctr"/>
+            <a:endParaRPr lang="de-DE">
+              <a:solidFill>
+                <a:schemeClr val="tx1"/>
+              </a:solidFill>
+            </a:endParaRPr>
+          </a:p>
+        </p:txBody>
+      </p:sp>
+      <p:sp>
+        <p:nvSpPr>
+          <p:cNvPr id="47" name="Pfeil nach unten 46"/>
+          <p:cNvSpPr/>
+          <p:nvPr/>
+        </p:nvSpPr>
+        <p:spPr>
+          <a:xfrm rot="2700000">
+            <a:off x="2612604" y="5395742"/>
+            <a:ext cx="187262" cy="193135"/>
+          </a:xfrm>
+          <a:prstGeom prst="downArrow">
+            <a:avLst/>
+          </a:prstGeom>
+        </p:spPr>
+        <p:style>
+          <a:lnRef idx="2">
+            <a:schemeClr val="accent1">
+              <a:shade val="50000"/>
+            </a:schemeClr>
+          </a:lnRef>
+          <a:fillRef idx="1">
+            <a:schemeClr val="accent1"/>
+          </a:fillRef>
+          <a:effectRef idx="0">
+            <a:schemeClr val="accent1"/>
+          </a:effectRef>
+          <a:fontRef idx="minor">
+            <a:schemeClr val="lt1"/>
+          </a:fontRef>
+        </p:style>
+        <p:txBody>
+          <a:bodyPr rtlCol="0" anchor="ctr"/>
+          <a:lstStyle/>
+          <a:p>
+            <a:pPr algn="ctr"/>
+            <a:endParaRPr lang="de-DE"/>
+          </a:p>
+        </p:txBody>
+      </p:sp>
+      <p:sp>
+        <p:nvSpPr>
+          <p:cNvPr id="51" name="Nach links gekrümmter Pfeil 50"/>
+          <p:cNvSpPr/>
+          <p:nvPr/>
+        </p:nvSpPr>
+        <p:spPr>
+          <a:xfrm flipH="1">
+            <a:off x="3857628" y="6929454"/>
+            <a:ext cx="500066" cy="928694"/>
+          </a:xfrm>
+          <a:prstGeom prst="curvedLeftArrow">
+            <a:avLst/>
+          </a:prstGeom>
+        </p:spPr>
+        <p:style>
+          <a:lnRef idx="2">
+            <a:schemeClr val="accent1">
+              <a:shade val="50000"/>
+            </a:schemeClr>
+          </a:lnRef>
+          <a:fillRef idx="1">
+            <a:schemeClr val="accent1"/>
+          </a:fillRef>
+          <a:effectRef idx="0">
+            <a:schemeClr val="accent1"/>
+          </a:effectRef>
+          <a:fontRef idx="minor">
+            <a:schemeClr val="lt1"/>
+          </a:fontRef>
+        </p:style>
+        <p:txBody>
+          <a:bodyPr rtlCol="0" anchor="ctr"/>
+          <a:lstStyle/>
+          <a:p>
+            <a:pPr algn="ctr"/>
+            <a:endParaRPr lang="de-DE">
+              <a:solidFill>
+                <a:schemeClr val="tx1"/>
+              </a:solidFill>
+            </a:endParaRPr>
+          </a:p>
+        </p:txBody>
+      </p:sp>
+      <p:sp>
+        <p:nvSpPr>
+          <p:cNvPr id="28" name="Abgerundetes Rechteck 27"/>
+          <p:cNvSpPr/>
+          <p:nvPr/>
+        </p:nvSpPr>
+        <p:spPr>
+          <a:xfrm>
+            <a:off x="2935201" y="7143768"/>
+            <a:ext cx="1054793" cy="428628"/>
+          </a:xfrm>
+          <a:prstGeom prst="roundRect">
+            <a:avLst/>
+          </a:prstGeom>
+        </p:spPr>
+        <p:style>
+          <a:lnRef idx="0">
+            <a:schemeClr val="accent1"/>
+          </a:lnRef>
+          <a:fillRef idx="3">
+            <a:schemeClr val="accent1"/>
+          </a:fillRef>
+          <a:effectRef idx="3">
+            <a:schemeClr val="accent1"/>
+          </a:effectRef>
+          <a:fontRef idx="minor">
+            <a:schemeClr val="lt1"/>
+          </a:fontRef>
+        </p:style>
+        <p:txBody>
+          <a:bodyPr rtlCol="0" anchor="ctr"/>
+          <a:lstStyle/>
+          <a:p>
+            <a:pPr algn="ctr"/>
+            <a:r>
+              <a:rPr lang="en-US" sz="1000" b="1" dirty="0" smtClean="0">
+                <a:solidFill>
+                  <a:schemeClr val="lt1"/>
+                </a:solidFill>
+              </a:rPr>
+              <a:t>Add Stoichiometry</a:t>
+            </a:r>
+            <a:endParaRPr lang="en-US" sz="1000" b="1" dirty="0">
+              <a:solidFill>
+                <a:schemeClr val="lt1"/>
+              </a:solidFill>
+            </a:endParaRPr>
           </a:p>
         </p:txBody>
       </p:sp>
